--- a/LangChain Output Parsers.pptx
+++ b/LangChain Output Parsers.pptx
@@ -1,6 +1,6 @@
 
 <file path=ppt/presentation.xml><?xml version="1.0" encoding="utf-8"?>
-<p:presentation xmlns:a="http://schemas.openxmlformats.org/drawingml/2006/main" xmlns:r="http://schemas.openxmlformats.org/officeDocument/2006/relationships" xmlns:mc="http://schemas.openxmlformats.org/markup-compatibility/2006" xmlns:mv="urn:schemas-microsoft-com:mac:vml" xmlns:p="http://schemas.openxmlformats.org/presentationml/2006/main" xmlns:c="http://schemas.openxmlformats.org/drawingml/2006/chart" xmlns:dgm="http://schemas.openxmlformats.org/drawingml/2006/diagram" xmlns:o="urn:schemas-microsoft-com:office:office" xmlns:v="urn:schemas-microsoft-com:vml" xmlns:pvml="urn:schemas-microsoft-com:office:powerpoint" xmlns:com="http://schemas.openxmlformats.org/drawingml/2006/compatibility" xmlns:p14="http://schemas.microsoft.com/office/powerpoint/2010/main" xmlns:p15="http://schemas.microsoft.com/office/powerpoint/2012/main" xmlns:ahyp="http://schemas.microsoft.com/office/drawing/2018/hyperlinkcolor" autoCompressPictures="0" strictFirstAndLastChars="0" saveSubsetFonts="1">
+<p:presentation xmlns:a="http://schemas.openxmlformats.org/drawingml/2006/main" xmlns:r="http://schemas.openxmlformats.org/officeDocument/2006/relationships" xmlns:mc="http://schemas.openxmlformats.org/markup-compatibility/2006" xmlns:mv="urn:schemas-microsoft-com:mac:vml" xmlns:p="http://schemas.openxmlformats.org/presentationml/2006/main" xmlns:c="http://schemas.openxmlformats.org/drawingml/2006/chart" xmlns:dgm="http://schemas.openxmlformats.org/drawingml/2006/diagram" xmlns:o="urn:schemas-microsoft-com:office:office" xmlns:v="urn:schemas-microsoft-com:vml" xmlns:pvml="urn:schemas-microsoft-com:office:powerpoint" xmlns:com="http://schemas.openxmlformats.org/drawingml/2006/compatibility" xmlns:p14="http://schemas.microsoft.com/office/powerpoint/2010/main" xmlns:p15="http://schemas.microsoft.com/office/powerpoint/2012/main" xmlns:ahyp="http://schemas.microsoft.com/office/drawing/2018/hyperlinkcolor" autoCompressPictures="0" embedTrueTypeFonts="1" strictFirstAndLastChars="0" saveSubsetFonts="1">
   <p:sldMasterIdLst>
     <p:sldMasterId id="2147483659" r:id="rId4"/>
   </p:sldMasterIdLst>
@@ -19,9 +19,23 @@
     <p:sldId id="264" r:id="rId14"/>
     <p:sldId id="265" r:id="rId15"/>
     <p:sldId id="266" r:id="rId16"/>
+    <p:sldId id="267" r:id="rId17"/>
+    <p:sldId id="268" r:id="rId18"/>
+    <p:sldId id="269" r:id="rId19"/>
+    <p:sldId id="270" r:id="rId20"/>
+    <p:sldId id="271" r:id="rId21"/>
   </p:sldIdLst>
   <p:sldSz cy="5143500" cx="9144000"/>
   <p:notesSz cx="6858000" cy="9144000"/>
+  <p:embeddedFontLst>
+    <p:embeddedFont>
+      <p:font typeface="Roboto Mono"/>
+      <p:regular r:id="rId22"/>
+      <p:bold r:id="rId23"/>
+      <p:italic r:id="rId24"/>
+      <p:boldItalic r:id="rId25"/>
+    </p:embeddedFont>
+  </p:embeddedFontLst>
   <p:defaultTextStyle>
     <a:defPPr lvl="0" marR="0" rtl="0" algn="l">
       <a:lnSpc>
@@ -715,7 +729,7 @@
       </p:grpSpPr>
       <p:sp>
         <p:nvSpPr>
-          <p:cNvPr id="51" name="Google Shape;51;p:notes"/>
+          <p:cNvPr id="51" name="Google Shape;51;g2d988f190f4_0_129:notes"/>
           <p:cNvSpPr/>
           <p:nvPr>
             <p:ph idx="2" type="sldImg"/>
@@ -724,7 +738,7 @@
         <p:spPr>
           <a:xfrm>
             <a:off x="381300" y="685800"/>
-            <a:ext cx="6096075" cy="3429000"/>
+            <a:ext cx="6096000" cy="3429000"/>
           </a:xfrm>
           <a:custGeom>
             <a:rect b="b" l="l" r="r" t="t"/>
@@ -750,7 +764,7 @@
       </p:sp>
       <p:sp>
         <p:nvSpPr>
-          <p:cNvPr id="52" name="Google Shape;52;p:notes"/>
+          <p:cNvPr id="52" name="Google Shape;52;g2d988f190f4_0_129:notes"/>
           <p:cNvSpPr txBox="1"/>
           <p:nvPr>
             <p:ph idx="1" type="body"/>
@@ -800,7 +814,7 @@
   <p:cSld>
     <p:spTree>
       <p:nvGrpSpPr>
-        <p:cNvPr id="109" name="Shape 109"/>
+        <p:cNvPr id="110" name="Shape 110"/>
         <p:cNvGrpSpPr/>
         <p:nvPr/>
       </p:nvGrpSpPr>
@@ -814,7 +828,7 @@
       </p:grpSpPr>
       <p:sp>
         <p:nvSpPr>
-          <p:cNvPr id="110" name="Google Shape;110;g2d988f190f4_0_86:notes"/>
+          <p:cNvPr id="111" name="Google Shape;111;g2d988f190f4_0_187:notes"/>
           <p:cNvSpPr/>
           <p:nvPr>
             <p:ph idx="2" type="sldImg"/>
@@ -849,7 +863,7 @@
       </p:sp>
       <p:sp>
         <p:nvSpPr>
-          <p:cNvPr id="111" name="Google Shape;111;g2d988f190f4_0_86:notes"/>
+          <p:cNvPr id="112" name="Google Shape;112;g2d988f190f4_0_187:notes"/>
           <p:cNvSpPr txBox="1"/>
           <p:nvPr>
             <p:ph idx="1" type="body"/>
@@ -899,7 +913,7 @@
   <p:cSld>
     <p:spTree>
       <p:nvGrpSpPr>
-        <p:cNvPr id="117" name="Shape 117"/>
+        <p:cNvPr id="116" name="Shape 116"/>
         <p:cNvGrpSpPr/>
         <p:nvPr/>
       </p:nvGrpSpPr>
@@ -913,7 +927,7 @@
       </p:grpSpPr>
       <p:sp>
         <p:nvSpPr>
-          <p:cNvPr id="118" name="Google Shape;118;g2d988f190f4_0_96:notes"/>
+          <p:cNvPr id="117" name="Google Shape;117;g2d988f190f4_0_196:notes"/>
           <p:cNvSpPr/>
           <p:nvPr>
             <p:ph idx="2" type="sldImg"/>
@@ -948,7 +962,502 @@
       </p:sp>
       <p:sp>
         <p:nvSpPr>
-          <p:cNvPr id="119" name="Google Shape;119;g2d988f190f4_0_96:notes"/>
+          <p:cNvPr id="118" name="Google Shape;118;g2d988f190f4_0_196:notes"/>
+          <p:cNvSpPr txBox="1"/>
+          <p:nvPr>
+            <p:ph idx="1" type="body"/>
+          </p:nvPr>
+        </p:nvSpPr>
+        <p:spPr>
+          <a:xfrm>
+            <a:off x="685800" y="4343400"/>
+            <a:ext cx="5486400" cy="4114800"/>
+          </a:xfrm>
+          <a:prstGeom prst="rect">
+            <a:avLst/>
+          </a:prstGeom>
+        </p:spPr>
+        <p:txBody>
+          <a:bodyPr anchorCtr="0" anchor="t" bIns="91425" lIns="91425" spcFirstLastPara="1" rIns="91425" wrap="square" tIns="91425">
+            <a:noAutofit/>
+          </a:bodyPr>
+          <a:lstStyle/>
+          <a:p>
+            <a:pPr indent="0" lvl="0" marL="0" rtl="0" algn="l">
+              <a:spcBef>
+                <a:spcPts val="0"/>
+              </a:spcBef>
+              <a:spcAft>
+                <a:spcPts val="0"/>
+              </a:spcAft>
+              <a:buNone/>
+            </a:pPr>
+            <a:r>
+              <a:t/>
+            </a:r>
+            <a:endParaRPr/>
+          </a:p>
+        </p:txBody>
+      </p:sp>
+    </p:spTree>
+  </p:cSld>
+  <p:clrMapOvr>
+    <a:masterClrMapping/>
+  </p:clrMapOvr>
+</p:notes>
+</file>
+
+<file path=ppt/notesSlides/notesSlide12.xml><?xml version="1.0" encoding="utf-8"?>
+<p:notes xmlns:a="http://schemas.openxmlformats.org/drawingml/2006/main" xmlns:r="http://schemas.openxmlformats.org/officeDocument/2006/relationships" xmlns:mc="http://schemas.openxmlformats.org/markup-compatibility/2006" xmlns:mv="urn:schemas-microsoft-com:mac:vml" xmlns:p="http://schemas.openxmlformats.org/presentationml/2006/main" xmlns:c="http://schemas.openxmlformats.org/drawingml/2006/chart" xmlns:dgm="http://schemas.openxmlformats.org/drawingml/2006/diagram" xmlns:o="urn:schemas-microsoft-com:office:office" xmlns:v="urn:schemas-microsoft-com:vml" xmlns:pvml="urn:schemas-microsoft-com:office:powerpoint" xmlns:com="http://schemas.openxmlformats.org/drawingml/2006/compatibility" xmlns:p14="http://schemas.microsoft.com/office/powerpoint/2010/main" xmlns:p15="http://schemas.microsoft.com/office/powerpoint/2012/main" xmlns:ahyp="http://schemas.microsoft.com/office/drawing/2018/hyperlinkcolor" showMasterPhAnim="0" showMasterSp="0">
+  <p:cSld>
+    <p:spTree>
+      <p:nvGrpSpPr>
+        <p:cNvPr id="122" name="Shape 122"/>
+        <p:cNvGrpSpPr/>
+        <p:nvPr/>
+      </p:nvGrpSpPr>
+      <p:grpSpPr>
+        <a:xfrm>
+          <a:off x="0" y="0"/>
+          <a:ext cx="0" cy="0"/>
+          <a:chOff x="0" y="0"/>
+          <a:chExt cx="0" cy="0"/>
+        </a:xfrm>
+      </p:grpSpPr>
+      <p:sp>
+        <p:nvSpPr>
+          <p:cNvPr id="123" name="Google Shape;123;g2d988f190f4_0_205:notes"/>
+          <p:cNvSpPr/>
+          <p:nvPr>
+            <p:ph idx="2" type="sldImg"/>
+          </p:nvPr>
+        </p:nvSpPr>
+        <p:spPr>
+          <a:xfrm>
+            <a:off x="381300" y="685800"/>
+            <a:ext cx="6096000" cy="3429000"/>
+          </a:xfrm>
+          <a:custGeom>
+            <a:rect b="b" l="l" r="r" t="t"/>
+            <a:pathLst>
+              <a:path extrusionOk="0" h="120000" w="120000">
+                <a:moveTo>
+                  <a:pt x="0" y="0"/>
+                </a:moveTo>
+                <a:lnTo>
+                  <a:pt x="120000" y="0"/>
+                </a:lnTo>
+                <a:lnTo>
+                  <a:pt x="120000" y="120000"/>
+                </a:lnTo>
+                <a:lnTo>
+                  <a:pt x="0" y="120000"/>
+                </a:lnTo>
+                <a:close/>
+              </a:path>
+            </a:pathLst>
+          </a:custGeom>
+        </p:spPr>
+      </p:sp>
+      <p:sp>
+        <p:nvSpPr>
+          <p:cNvPr id="124" name="Google Shape;124;g2d988f190f4_0_205:notes"/>
+          <p:cNvSpPr txBox="1"/>
+          <p:nvPr>
+            <p:ph idx="1" type="body"/>
+          </p:nvPr>
+        </p:nvSpPr>
+        <p:spPr>
+          <a:xfrm>
+            <a:off x="685800" y="4343400"/>
+            <a:ext cx="5486400" cy="4114800"/>
+          </a:xfrm>
+          <a:prstGeom prst="rect">
+            <a:avLst/>
+          </a:prstGeom>
+        </p:spPr>
+        <p:txBody>
+          <a:bodyPr anchorCtr="0" anchor="t" bIns="91425" lIns="91425" spcFirstLastPara="1" rIns="91425" wrap="square" tIns="91425">
+            <a:noAutofit/>
+          </a:bodyPr>
+          <a:lstStyle/>
+          <a:p>
+            <a:pPr indent="0" lvl="0" marL="0" rtl="0" algn="l">
+              <a:spcBef>
+                <a:spcPts val="0"/>
+              </a:spcBef>
+              <a:spcAft>
+                <a:spcPts val="0"/>
+              </a:spcAft>
+              <a:buNone/>
+            </a:pPr>
+            <a:r>
+              <a:t/>
+            </a:r>
+            <a:endParaRPr/>
+          </a:p>
+        </p:txBody>
+      </p:sp>
+    </p:spTree>
+  </p:cSld>
+  <p:clrMapOvr>
+    <a:masterClrMapping/>
+  </p:clrMapOvr>
+</p:notes>
+</file>
+
+<file path=ppt/notesSlides/notesSlide13.xml><?xml version="1.0" encoding="utf-8"?>
+<p:notes xmlns:a="http://schemas.openxmlformats.org/drawingml/2006/main" xmlns:r="http://schemas.openxmlformats.org/officeDocument/2006/relationships" xmlns:mc="http://schemas.openxmlformats.org/markup-compatibility/2006" xmlns:mv="urn:schemas-microsoft-com:mac:vml" xmlns:p="http://schemas.openxmlformats.org/presentationml/2006/main" xmlns:c="http://schemas.openxmlformats.org/drawingml/2006/chart" xmlns:dgm="http://schemas.openxmlformats.org/drawingml/2006/diagram" xmlns:o="urn:schemas-microsoft-com:office:office" xmlns:v="urn:schemas-microsoft-com:vml" xmlns:pvml="urn:schemas-microsoft-com:office:powerpoint" xmlns:com="http://schemas.openxmlformats.org/drawingml/2006/compatibility" xmlns:p14="http://schemas.microsoft.com/office/powerpoint/2010/main" xmlns:p15="http://schemas.microsoft.com/office/powerpoint/2012/main" xmlns:ahyp="http://schemas.microsoft.com/office/drawing/2018/hyperlinkcolor" showMasterPhAnim="0" showMasterSp="0">
+  <p:cSld>
+    <p:spTree>
+      <p:nvGrpSpPr>
+        <p:cNvPr id="128" name="Shape 128"/>
+        <p:cNvGrpSpPr/>
+        <p:nvPr/>
+      </p:nvGrpSpPr>
+      <p:grpSpPr>
+        <a:xfrm>
+          <a:off x="0" y="0"/>
+          <a:ext cx="0" cy="0"/>
+          <a:chOff x="0" y="0"/>
+          <a:chExt cx="0" cy="0"/>
+        </a:xfrm>
+      </p:grpSpPr>
+      <p:sp>
+        <p:nvSpPr>
+          <p:cNvPr id="129" name="Google Shape;129;g2d988f190f4_0_218:notes"/>
+          <p:cNvSpPr/>
+          <p:nvPr>
+            <p:ph idx="2" type="sldImg"/>
+          </p:nvPr>
+        </p:nvSpPr>
+        <p:spPr>
+          <a:xfrm>
+            <a:off x="381300" y="685800"/>
+            <a:ext cx="6096000" cy="3429000"/>
+          </a:xfrm>
+          <a:custGeom>
+            <a:rect b="b" l="l" r="r" t="t"/>
+            <a:pathLst>
+              <a:path extrusionOk="0" h="120000" w="120000">
+                <a:moveTo>
+                  <a:pt x="0" y="0"/>
+                </a:moveTo>
+                <a:lnTo>
+                  <a:pt x="120000" y="0"/>
+                </a:lnTo>
+                <a:lnTo>
+                  <a:pt x="120000" y="120000"/>
+                </a:lnTo>
+                <a:lnTo>
+                  <a:pt x="0" y="120000"/>
+                </a:lnTo>
+                <a:close/>
+              </a:path>
+            </a:pathLst>
+          </a:custGeom>
+        </p:spPr>
+      </p:sp>
+      <p:sp>
+        <p:nvSpPr>
+          <p:cNvPr id="130" name="Google Shape;130;g2d988f190f4_0_218:notes"/>
+          <p:cNvSpPr txBox="1"/>
+          <p:nvPr>
+            <p:ph idx="1" type="body"/>
+          </p:nvPr>
+        </p:nvSpPr>
+        <p:spPr>
+          <a:xfrm>
+            <a:off x="685800" y="4343400"/>
+            <a:ext cx="5486400" cy="4114800"/>
+          </a:xfrm>
+          <a:prstGeom prst="rect">
+            <a:avLst/>
+          </a:prstGeom>
+        </p:spPr>
+        <p:txBody>
+          <a:bodyPr anchorCtr="0" anchor="t" bIns="91425" lIns="91425" spcFirstLastPara="1" rIns="91425" wrap="square" tIns="91425">
+            <a:noAutofit/>
+          </a:bodyPr>
+          <a:lstStyle/>
+          <a:p>
+            <a:pPr indent="0" lvl="0" marL="0" rtl="0" algn="l">
+              <a:spcBef>
+                <a:spcPts val="0"/>
+              </a:spcBef>
+              <a:spcAft>
+                <a:spcPts val="0"/>
+              </a:spcAft>
+              <a:buNone/>
+            </a:pPr>
+            <a:r>
+              <a:t/>
+            </a:r>
+            <a:endParaRPr/>
+          </a:p>
+        </p:txBody>
+      </p:sp>
+    </p:spTree>
+  </p:cSld>
+  <p:clrMapOvr>
+    <a:masterClrMapping/>
+  </p:clrMapOvr>
+</p:notes>
+</file>
+
+<file path=ppt/notesSlides/notesSlide14.xml><?xml version="1.0" encoding="utf-8"?>
+<p:notes xmlns:a="http://schemas.openxmlformats.org/drawingml/2006/main" xmlns:r="http://schemas.openxmlformats.org/officeDocument/2006/relationships" xmlns:mc="http://schemas.openxmlformats.org/markup-compatibility/2006" xmlns:mv="urn:schemas-microsoft-com:mac:vml" xmlns:p="http://schemas.openxmlformats.org/presentationml/2006/main" xmlns:c="http://schemas.openxmlformats.org/drawingml/2006/chart" xmlns:dgm="http://schemas.openxmlformats.org/drawingml/2006/diagram" xmlns:o="urn:schemas-microsoft-com:office:office" xmlns:v="urn:schemas-microsoft-com:vml" xmlns:pvml="urn:schemas-microsoft-com:office:powerpoint" xmlns:com="http://schemas.openxmlformats.org/drawingml/2006/compatibility" xmlns:p14="http://schemas.microsoft.com/office/powerpoint/2010/main" xmlns:p15="http://schemas.microsoft.com/office/powerpoint/2012/main" xmlns:ahyp="http://schemas.microsoft.com/office/drawing/2018/hyperlinkcolor" showMasterPhAnim="0" showMasterSp="0">
+  <p:cSld>
+    <p:spTree>
+      <p:nvGrpSpPr>
+        <p:cNvPr id="136" name="Shape 136"/>
+        <p:cNvGrpSpPr/>
+        <p:nvPr/>
+      </p:nvGrpSpPr>
+      <p:grpSpPr>
+        <a:xfrm>
+          <a:off x="0" y="0"/>
+          <a:ext cx="0" cy="0"/>
+          <a:chOff x="0" y="0"/>
+          <a:chExt cx="0" cy="0"/>
+        </a:xfrm>
+      </p:grpSpPr>
+      <p:sp>
+        <p:nvSpPr>
+          <p:cNvPr id="137" name="Google Shape;137;g2d988f190f4_0_211:notes"/>
+          <p:cNvSpPr/>
+          <p:nvPr>
+            <p:ph idx="2" type="sldImg"/>
+          </p:nvPr>
+        </p:nvSpPr>
+        <p:spPr>
+          <a:xfrm>
+            <a:off x="381300" y="685800"/>
+            <a:ext cx="6096000" cy="3429000"/>
+          </a:xfrm>
+          <a:custGeom>
+            <a:rect b="b" l="l" r="r" t="t"/>
+            <a:pathLst>
+              <a:path extrusionOk="0" h="120000" w="120000">
+                <a:moveTo>
+                  <a:pt x="0" y="0"/>
+                </a:moveTo>
+                <a:lnTo>
+                  <a:pt x="120000" y="0"/>
+                </a:lnTo>
+                <a:lnTo>
+                  <a:pt x="120000" y="120000"/>
+                </a:lnTo>
+                <a:lnTo>
+                  <a:pt x="0" y="120000"/>
+                </a:lnTo>
+                <a:close/>
+              </a:path>
+            </a:pathLst>
+          </a:custGeom>
+        </p:spPr>
+      </p:sp>
+      <p:sp>
+        <p:nvSpPr>
+          <p:cNvPr id="138" name="Google Shape;138;g2d988f190f4_0_211:notes"/>
+          <p:cNvSpPr txBox="1"/>
+          <p:nvPr>
+            <p:ph idx="1" type="body"/>
+          </p:nvPr>
+        </p:nvSpPr>
+        <p:spPr>
+          <a:xfrm>
+            <a:off x="685800" y="4343400"/>
+            <a:ext cx="5486400" cy="4114800"/>
+          </a:xfrm>
+          <a:prstGeom prst="rect">
+            <a:avLst/>
+          </a:prstGeom>
+        </p:spPr>
+        <p:txBody>
+          <a:bodyPr anchorCtr="0" anchor="t" bIns="91425" lIns="91425" spcFirstLastPara="1" rIns="91425" wrap="square" tIns="91425">
+            <a:noAutofit/>
+          </a:bodyPr>
+          <a:lstStyle/>
+          <a:p>
+            <a:pPr indent="0" lvl="0" marL="0" rtl="0" algn="l">
+              <a:spcBef>
+                <a:spcPts val="0"/>
+              </a:spcBef>
+              <a:spcAft>
+                <a:spcPts val="0"/>
+              </a:spcAft>
+              <a:buNone/>
+            </a:pPr>
+            <a:r>
+              <a:t/>
+            </a:r>
+            <a:endParaRPr/>
+          </a:p>
+        </p:txBody>
+      </p:sp>
+    </p:spTree>
+  </p:cSld>
+  <p:clrMapOvr>
+    <a:masterClrMapping/>
+  </p:clrMapOvr>
+</p:notes>
+</file>
+
+<file path=ppt/notesSlides/notesSlide15.xml><?xml version="1.0" encoding="utf-8"?>
+<p:notes xmlns:a="http://schemas.openxmlformats.org/drawingml/2006/main" xmlns:r="http://schemas.openxmlformats.org/officeDocument/2006/relationships" xmlns:mc="http://schemas.openxmlformats.org/markup-compatibility/2006" xmlns:mv="urn:schemas-microsoft-com:mac:vml" xmlns:p="http://schemas.openxmlformats.org/presentationml/2006/main" xmlns:c="http://schemas.openxmlformats.org/drawingml/2006/chart" xmlns:dgm="http://schemas.openxmlformats.org/drawingml/2006/diagram" xmlns:o="urn:schemas-microsoft-com:office:office" xmlns:v="urn:schemas-microsoft-com:vml" xmlns:pvml="urn:schemas-microsoft-com:office:powerpoint" xmlns:com="http://schemas.openxmlformats.org/drawingml/2006/compatibility" xmlns:p14="http://schemas.microsoft.com/office/powerpoint/2010/main" xmlns:p15="http://schemas.microsoft.com/office/powerpoint/2012/main" xmlns:ahyp="http://schemas.microsoft.com/office/drawing/2018/hyperlinkcolor" showMasterPhAnim="0" showMasterSp="0">
+  <p:cSld>
+    <p:spTree>
+      <p:nvGrpSpPr>
+        <p:cNvPr id="142" name="Shape 142"/>
+        <p:cNvGrpSpPr/>
+        <p:nvPr/>
+      </p:nvGrpSpPr>
+      <p:grpSpPr>
+        <a:xfrm>
+          <a:off x="0" y="0"/>
+          <a:ext cx="0" cy="0"/>
+          <a:chOff x="0" y="0"/>
+          <a:chExt cx="0" cy="0"/>
+        </a:xfrm>
+      </p:grpSpPr>
+      <p:sp>
+        <p:nvSpPr>
+          <p:cNvPr id="143" name="Google Shape;143;g2d988f190f4_0_226:notes"/>
+          <p:cNvSpPr/>
+          <p:nvPr>
+            <p:ph idx="2" type="sldImg"/>
+          </p:nvPr>
+        </p:nvSpPr>
+        <p:spPr>
+          <a:xfrm>
+            <a:off x="381300" y="685800"/>
+            <a:ext cx="6096000" cy="3429000"/>
+          </a:xfrm>
+          <a:custGeom>
+            <a:rect b="b" l="l" r="r" t="t"/>
+            <a:pathLst>
+              <a:path extrusionOk="0" h="120000" w="120000">
+                <a:moveTo>
+                  <a:pt x="0" y="0"/>
+                </a:moveTo>
+                <a:lnTo>
+                  <a:pt x="120000" y="0"/>
+                </a:lnTo>
+                <a:lnTo>
+                  <a:pt x="120000" y="120000"/>
+                </a:lnTo>
+                <a:lnTo>
+                  <a:pt x="0" y="120000"/>
+                </a:lnTo>
+                <a:close/>
+              </a:path>
+            </a:pathLst>
+          </a:custGeom>
+        </p:spPr>
+      </p:sp>
+      <p:sp>
+        <p:nvSpPr>
+          <p:cNvPr id="144" name="Google Shape;144;g2d988f190f4_0_226:notes"/>
+          <p:cNvSpPr txBox="1"/>
+          <p:nvPr>
+            <p:ph idx="1" type="body"/>
+          </p:nvPr>
+        </p:nvSpPr>
+        <p:spPr>
+          <a:xfrm>
+            <a:off x="685800" y="4343400"/>
+            <a:ext cx="5486400" cy="4114800"/>
+          </a:xfrm>
+          <a:prstGeom prst="rect">
+            <a:avLst/>
+          </a:prstGeom>
+        </p:spPr>
+        <p:txBody>
+          <a:bodyPr anchorCtr="0" anchor="t" bIns="91425" lIns="91425" spcFirstLastPara="1" rIns="91425" wrap="square" tIns="91425">
+            <a:noAutofit/>
+          </a:bodyPr>
+          <a:lstStyle/>
+          <a:p>
+            <a:pPr indent="0" lvl="0" marL="0" rtl="0" algn="l">
+              <a:spcBef>
+                <a:spcPts val="0"/>
+              </a:spcBef>
+              <a:spcAft>
+                <a:spcPts val="0"/>
+              </a:spcAft>
+              <a:buNone/>
+            </a:pPr>
+            <a:r>
+              <a:t/>
+            </a:r>
+            <a:endParaRPr/>
+          </a:p>
+        </p:txBody>
+      </p:sp>
+    </p:spTree>
+  </p:cSld>
+  <p:clrMapOvr>
+    <a:masterClrMapping/>
+  </p:clrMapOvr>
+</p:notes>
+</file>
+
+<file path=ppt/notesSlides/notesSlide16.xml><?xml version="1.0" encoding="utf-8"?>
+<p:notes xmlns:a="http://schemas.openxmlformats.org/drawingml/2006/main" xmlns:r="http://schemas.openxmlformats.org/officeDocument/2006/relationships" xmlns:mc="http://schemas.openxmlformats.org/markup-compatibility/2006" xmlns:mv="urn:schemas-microsoft-com:mac:vml" xmlns:p="http://schemas.openxmlformats.org/presentationml/2006/main" xmlns:c="http://schemas.openxmlformats.org/drawingml/2006/chart" xmlns:dgm="http://schemas.openxmlformats.org/drawingml/2006/diagram" xmlns:o="urn:schemas-microsoft-com:office:office" xmlns:v="urn:schemas-microsoft-com:vml" xmlns:pvml="urn:schemas-microsoft-com:office:powerpoint" xmlns:com="http://schemas.openxmlformats.org/drawingml/2006/compatibility" xmlns:p14="http://schemas.microsoft.com/office/powerpoint/2010/main" xmlns:p15="http://schemas.microsoft.com/office/powerpoint/2012/main" xmlns:ahyp="http://schemas.microsoft.com/office/drawing/2018/hyperlinkcolor" showMasterPhAnim="0" showMasterSp="0">
+  <p:cSld>
+    <p:spTree>
+      <p:nvGrpSpPr>
+        <p:cNvPr id="148" name="Shape 148"/>
+        <p:cNvGrpSpPr/>
+        <p:nvPr/>
+      </p:nvGrpSpPr>
+      <p:grpSpPr>
+        <a:xfrm>
+          <a:off x="0" y="0"/>
+          <a:ext cx="0" cy="0"/>
+          <a:chOff x="0" y="0"/>
+          <a:chExt cx="0" cy="0"/>
+        </a:xfrm>
+      </p:grpSpPr>
+      <p:sp>
+        <p:nvSpPr>
+          <p:cNvPr id="149" name="Google Shape;149;g2d999540224_0_0:notes"/>
+          <p:cNvSpPr/>
+          <p:nvPr>
+            <p:ph idx="2" type="sldImg"/>
+          </p:nvPr>
+        </p:nvSpPr>
+        <p:spPr>
+          <a:xfrm>
+            <a:off x="381300" y="685800"/>
+            <a:ext cx="6096000" cy="3429000"/>
+          </a:xfrm>
+          <a:custGeom>
+            <a:rect b="b" l="l" r="r" t="t"/>
+            <a:pathLst>
+              <a:path extrusionOk="0" h="120000" w="120000">
+                <a:moveTo>
+                  <a:pt x="0" y="0"/>
+                </a:moveTo>
+                <a:lnTo>
+                  <a:pt x="120000" y="0"/>
+                </a:lnTo>
+                <a:lnTo>
+                  <a:pt x="120000" y="120000"/>
+                </a:lnTo>
+                <a:lnTo>
+                  <a:pt x="0" y="120000"/>
+                </a:lnTo>
+                <a:close/>
+              </a:path>
+            </a:pathLst>
+          </a:custGeom>
+        </p:spPr>
+      </p:sp>
+      <p:sp>
+        <p:nvSpPr>
+          <p:cNvPr id="150" name="Google Shape;150;g2d999540224_0_0:notes"/>
           <p:cNvSpPr txBox="1"/>
           <p:nvPr>
             <p:ph idx="1" type="body"/>
@@ -1012,7 +1521,7 @@
       </p:grpSpPr>
       <p:sp>
         <p:nvSpPr>
-          <p:cNvPr id="57" name="Google Shape;57;g2d988f190f4_0_19:notes"/>
+          <p:cNvPr id="57" name="Google Shape;57;g2d988f190f4_0_103:notes"/>
           <p:cNvSpPr/>
           <p:nvPr>
             <p:ph idx="2" type="sldImg"/>
@@ -1047,7 +1556,7 @@
       </p:sp>
       <p:sp>
         <p:nvSpPr>
-          <p:cNvPr id="58" name="Google Shape;58;g2d988f190f4_0_19:notes"/>
+          <p:cNvPr id="58" name="Google Shape;58;g2d988f190f4_0_103:notes"/>
           <p:cNvSpPr txBox="1"/>
           <p:nvPr>
             <p:ph idx="1" type="body"/>
@@ -1111,7 +1620,7 @@
       </p:grpSpPr>
       <p:sp>
         <p:nvSpPr>
-          <p:cNvPr id="63" name="Google Shape;63;g2d988f190f4_0_26:notes"/>
+          <p:cNvPr id="63" name="Google Shape;63;g2d988f190f4_0_108:notes"/>
           <p:cNvSpPr/>
           <p:nvPr>
             <p:ph idx="2" type="sldImg"/>
@@ -1146,7 +1655,7 @@
       </p:sp>
       <p:sp>
         <p:nvSpPr>
-          <p:cNvPr id="64" name="Google Shape;64;g2d988f190f4_0_26:notes"/>
+          <p:cNvPr id="64" name="Google Shape;64;g2d988f190f4_0_108:notes"/>
           <p:cNvSpPr txBox="1"/>
           <p:nvPr>
             <p:ph idx="1" type="body"/>
@@ -1196,7 +1705,7 @@
   <p:cSld>
     <p:spTree>
       <p:nvGrpSpPr>
-        <p:cNvPr id="68" name="Shape 68"/>
+        <p:cNvPr id="70" name="Shape 70"/>
         <p:cNvGrpSpPr/>
         <p:nvPr/>
       </p:nvGrpSpPr>
@@ -1210,7 +1719,7 @@
       </p:grpSpPr>
       <p:sp>
         <p:nvSpPr>
-          <p:cNvPr id="69" name="Google Shape;69;g2d988f190f4_0_1:notes"/>
+          <p:cNvPr id="71" name="Google Shape;71;g2d988f190f4_0_136:notes"/>
           <p:cNvSpPr/>
           <p:nvPr>
             <p:ph idx="2" type="sldImg"/>
@@ -1245,7 +1754,7 @@
       </p:sp>
       <p:sp>
         <p:nvSpPr>
-          <p:cNvPr id="70" name="Google Shape;70;g2d988f190f4_0_1:notes"/>
+          <p:cNvPr id="72" name="Google Shape;72;g2d988f190f4_0_136:notes"/>
           <p:cNvSpPr txBox="1"/>
           <p:nvPr>
             <p:ph idx="1" type="body"/>
@@ -1309,7 +1818,7 @@
       </p:grpSpPr>
       <p:sp>
         <p:nvSpPr>
-          <p:cNvPr id="77" name="Google Shape;77;g2d988f190f4_0_40:notes"/>
+          <p:cNvPr id="77" name="Google Shape;77;g2d988f190f4_0_142:notes"/>
           <p:cNvSpPr/>
           <p:nvPr>
             <p:ph idx="2" type="sldImg"/>
@@ -1344,7 +1853,7 @@
       </p:sp>
       <p:sp>
         <p:nvSpPr>
-          <p:cNvPr id="78" name="Google Shape;78;g2d988f190f4_0_40:notes"/>
+          <p:cNvPr id="78" name="Google Shape;78;g2d988f190f4_0_142:notes"/>
           <p:cNvSpPr txBox="1"/>
           <p:nvPr>
             <p:ph idx="1" type="body"/>
@@ -1408,7 +1917,7 @@
       </p:grpSpPr>
       <p:sp>
         <p:nvSpPr>
-          <p:cNvPr id="83" name="Google Shape;83;g2d988f190f4_0_48:notes"/>
+          <p:cNvPr id="83" name="Google Shape;83;g2d988f190f4_0_151:notes"/>
           <p:cNvSpPr/>
           <p:nvPr>
             <p:ph idx="2" type="sldImg"/>
@@ -1443,7 +1952,7 @@
       </p:sp>
       <p:sp>
         <p:nvSpPr>
-          <p:cNvPr id="84" name="Google Shape;84;g2d988f190f4_0_48:notes"/>
+          <p:cNvPr id="84" name="Google Shape;84;g2d988f190f4_0_151:notes"/>
           <p:cNvSpPr txBox="1"/>
           <p:nvPr>
             <p:ph idx="1" type="body"/>
@@ -1493,7 +2002,7 @@
   <p:cSld>
     <p:spTree>
       <p:nvGrpSpPr>
-        <p:cNvPr id="89" name="Shape 89"/>
+        <p:cNvPr id="92" name="Shape 92"/>
         <p:cNvGrpSpPr/>
         <p:nvPr/>
       </p:nvGrpSpPr>
@@ -1507,7 +2016,7 @@
       </p:grpSpPr>
       <p:sp>
         <p:nvSpPr>
-          <p:cNvPr id="90" name="Google Shape;90;g2d988f190f4_0_64:notes"/>
+          <p:cNvPr id="93" name="Google Shape;93;g2d988f190f4_0_163:notes"/>
           <p:cNvSpPr/>
           <p:nvPr>
             <p:ph idx="2" type="sldImg"/>
@@ -1542,7 +2051,7 @@
       </p:sp>
       <p:sp>
         <p:nvSpPr>
-          <p:cNvPr id="91" name="Google Shape;91;g2d988f190f4_0_64:notes"/>
+          <p:cNvPr id="94" name="Google Shape;94;g2d988f190f4_0_163:notes"/>
           <p:cNvSpPr txBox="1"/>
           <p:nvPr>
             <p:ph idx="1" type="body"/>
@@ -1592,7 +2101,7 @@
   <p:cSld>
     <p:spTree>
       <p:nvGrpSpPr>
-        <p:cNvPr id="95" name="Shape 95"/>
+        <p:cNvPr id="98" name="Shape 98"/>
         <p:cNvGrpSpPr/>
         <p:nvPr/>
       </p:nvGrpSpPr>
@@ -1606,7 +2115,7 @@
       </p:grpSpPr>
       <p:sp>
         <p:nvSpPr>
-          <p:cNvPr id="96" name="Google Shape;96;g2d988f190f4_0_70:notes"/>
+          <p:cNvPr id="99" name="Google Shape;99;g2d988f190f4_0_170:notes"/>
           <p:cNvSpPr/>
           <p:nvPr>
             <p:ph idx="2" type="sldImg"/>
@@ -1641,7 +2150,7 @@
       </p:sp>
       <p:sp>
         <p:nvSpPr>
-          <p:cNvPr id="97" name="Google Shape;97;g2d988f190f4_0_70:notes"/>
+          <p:cNvPr id="100" name="Google Shape;100;g2d988f190f4_0_170:notes"/>
           <p:cNvSpPr txBox="1"/>
           <p:nvPr>
             <p:ph idx="1" type="body"/>
@@ -1691,7 +2200,7 @@
   <p:cSld>
     <p:spTree>
       <p:nvGrpSpPr>
-        <p:cNvPr id="103" name="Shape 103"/>
+        <p:cNvPr id="104" name="Shape 104"/>
         <p:cNvGrpSpPr/>
         <p:nvPr/>
       </p:nvGrpSpPr>
@@ -1705,7 +2214,7 @@
       </p:grpSpPr>
       <p:sp>
         <p:nvSpPr>
-          <p:cNvPr id="104" name="Google Shape;104;g2d988f190f4_0_80:notes"/>
+          <p:cNvPr id="105" name="Google Shape;105;g2d988f190f4_0_180:notes"/>
           <p:cNvSpPr/>
           <p:nvPr>
             <p:ph idx="2" type="sldImg"/>
@@ -1740,7 +2249,7 @@
       </p:sp>
       <p:sp>
         <p:nvSpPr>
-          <p:cNvPr id="105" name="Google Shape;105;g2d988f190f4_0_80:notes"/>
+          <p:cNvPr id="106" name="Google Shape;106;g2d988f190f4_0_180:notes"/>
           <p:cNvSpPr txBox="1"/>
           <p:nvPr>
             <p:ph idx="1" type="body"/>
@@ -6456,25 +6965,25 @@
           <p:cNvPr id="54" name="Google Shape;54;p13"/>
           <p:cNvSpPr txBox="1"/>
           <p:nvPr>
-            <p:ph type="ctrTitle"/>
+            <p:ph type="title"/>
           </p:nvPr>
         </p:nvSpPr>
         <p:spPr>
           <a:xfrm>
-            <a:off x="311708" y="744575"/>
-            <a:ext cx="8520600" cy="2052600"/>
+            <a:off x="311700" y="445025"/>
+            <a:ext cx="8520600" cy="572700"/>
           </a:xfrm>
           <a:prstGeom prst="rect">
             <a:avLst/>
           </a:prstGeom>
         </p:spPr>
         <p:txBody>
-          <a:bodyPr anchorCtr="0" anchor="b" bIns="91425" lIns="91425" spcFirstLastPara="1" rIns="91425" wrap="square" tIns="91425">
-            <a:normAutofit/>
+          <a:bodyPr anchorCtr="0" anchor="t" bIns="91425" lIns="91425" spcFirstLastPara="1" rIns="91425" wrap="square" tIns="91425">
+            <a:normAutofit fontScale="90000"/>
           </a:bodyPr>
           <a:lstStyle/>
           <a:p>
-            <a:pPr indent="0" lvl="0" marL="0" rtl="0" algn="ctr">
+            <a:pPr indent="0" lvl="0" marL="0" rtl="0" algn="l">
               <a:spcBef>
                 <a:spcPts val="0"/>
               </a:spcBef>
@@ -6485,7 +6994,7 @@
             </a:pPr>
             <a:r>
               <a:rPr lang="en"/>
-              <a:t>LangChain Output Parsers</a:t>
+              <a:t>Getting Specific Formats out of LLMs</a:t>
             </a:r>
             <a:endParaRPr/>
           </a:p>
@@ -6496,13 +7005,13 @@
           <p:cNvPr id="55" name="Google Shape;55;p13"/>
           <p:cNvSpPr txBox="1"/>
           <p:nvPr>
-            <p:ph idx="1" type="subTitle"/>
+            <p:ph idx="1" type="body"/>
           </p:nvPr>
         </p:nvSpPr>
         <p:spPr>
           <a:xfrm>
-            <a:off x="311700" y="2834125"/>
-            <a:ext cx="8520600" cy="792600"/>
+            <a:off x="311700" y="1152475"/>
+            <a:ext cx="8520600" cy="3416400"/>
           </a:xfrm>
           <a:prstGeom prst="rect">
             <a:avLst/>
@@ -6514,7 +7023,7 @@
           </a:bodyPr>
           <a:lstStyle/>
           <a:p>
-            <a:pPr indent="0" lvl="0" marL="0" rtl="0" algn="ctr">
+            <a:pPr indent="0" lvl="0" marL="0" rtl="0" algn="l">
               <a:spcBef>
                 <a:spcPts val="0"/>
               </a:spcBef>
@@ -6525,9 +7034,38 @@
             </a:pPr>
             <a:r>
               <a:rPr lang="en"/>
-              <a:t>Structuring LLM Responses for Applications</a:t>
+              <a:t>Plain text outputs are useful, but there may be use cases where you need the LLM to generate a </a:t>
+            </a:r>
+            <a:r>
+              <a:rPr i="1" lang="en"/>
+              <a:t>structured</a:t>
+            </a:r>
+            <a:r>
+              <a:rPr lang="en"/>
+              <a:t> output—that is, output in a machine-readable format, such as JSON, XML, CSV, or even in a programming language such as Python or JavaScript. </a:t>
             </a:r>
             <a:endParaRPr/>
+          </a:p>
+          <a:p>
+            <a:pPr indent="0" lvl="0" marL="0" rtl="0" algn="l">
+              <a:spcBef>
+                <a:spcPts val="1200"/>
+              </a:spcBef>
+              <a:spcAft>
+                <a:spcPts val="1200"/>
+              </a:spcAft>
+              <a:buClr>
+                <a:schemeClr val="dk1"/>
+              </a:buClr>
+              <a:buSzPts val="1100"/>
+              <a:buFont typeface="Arial"/>
+              <a:buNone/>
+            </a:pPr>
+            <a:r>
+              <a:rPr lang="en"/>
+              <a:t>This is very useful when you intend to hand that output off to some other piece of code, making an LLM play a part in your larger application.</a:t>
+            </a:r>
+            <a:endParaRPr sz="2500"/>
           </a:p>
         </p:txBody>
       </p:sp>
@@ -6544,7 +7082,7 @@
   <p:cSld>
     <p:spTree>
       <p:nvGrpSpPr>
-        <p:cNvPr id="112" name="Shape 112"/>
+        <p:cNvPr id="113" name="Shape 113"/>
         <p:cNvGrpSpPr/>
         <p:nvPr/>
       </p:nvGrpSpPr>
@@ -6558,7 +7096,7 @@
       </p:grpSpPr>
       <p:sp>
         <p:nvSpPr>
-          <p:cNvPr id="113" name="Google Shape;113;p22"/>
+          <p:cNvPr id="114" name="Google Shape;114;p22"/>
           <p:cNvSpPr txBox="1"/>
           <p:nvPr>
             <p:ph type="title"/>
@@ -6590,113 +7128,7 @@
             </a:pPr>
             <a:r>
               <a:rPr lang="en"/>
-              <a:t>Advanced StructuredOutputParser</a:t>
-            </a:r>
-            <a:endParaRPr/>
-          </a:p>
-        </p:txBody>
-      </p:sp>
-      <p:sp>
-        <p:nvSpPr>
-          <p:cNvPr id="114" name="Google Shape;114;p22"/>
-          <p:cNvSpPr txBox="1"/>
-          <p:nvPr>
-            <p:ph idx="1" type="body"/>
-          </p:nvPr>
-        </p:nvSpPr>
-        <p:spPr>
-          <a:xfrm>
-            <a:off x="311700" y="1152475"/>
-            <a:ext cx="3185400" cy="3416400"/>
-          </a:xfrm>
-          <a:prstGeom prst="rect">
-            <a:avLst/>
-          </a:prstGeom>
-        </p:spPr>
-        <p:txBody>
-          <a:bodyPr anchorCtr="0" anchor="t" bIns="91425" lIns="91425" spcFirstLastPara="1" rIns="91425" wrap="square" tIns="91425">
-            <a:normAutofit/>
-          </a:bodyPr>
-          <a:lstStyle/>
-          <a:p>
-            <a:pPr indent="0" lvl="0" marL="0" rtl="0" algn="l">
-              <a:spcBef>
-                <a:spcPts val="0"/>
-              </a:spcBef>
-              <a:spcAft>
-                <a:spcPts val="0"/>
-              </a:spcAft>
-              <a:buNone/>
-            </a:pPr>
-            <a:r>
-              <a:rPr lang="en"/>
-              <a:t>Overview:</a:t>
-            </a:r>
-            <a:endParaRPr/>
-          </a:p>
-          <a:p>
-            <a:pPr indent="-342900" lvl="0" marL="457200" rtl="0" algn="l">
-              <a:spcBef>
-                <a:spcPts val="1200"/>
-              </a:spcBef>
-              <a:spcAft>
-                <a:spcPts val="0"/>
-              </a:spcAft>
-              <a:buSzPts val="1800"/>
-              <a:buChar char="●"/>
-            </a:pPr>
-            <a:r>
-              <a:rPr lang="en"/>
-              <a:t>Handles multiple types of data</a:t>
-            </a:r>
-            <a:endParaRPr/>
-          </a:p>
-          <a:p>
-            <a:pPr indent="-342900" lvl="0" marL="457200" rtl="0" algn="l">
-              <a:spcBef>
-                <a:spcPts val="0"/>
-              </a:spcBef>
-              <a:spcAft>
-                <a:spcPts val="0"/>
-              </a:spcAft>
-              <a:buSzPts val="1800"/>
-              <a:buChar char="●"/>
-            </a:pPr>
-            <a:r>
-              <a:rPr lang="en"/>
-              <a:t>Supports mixed data types (strings, integers, lists, floats)</a:t>
-            </a:r>
-            <a:endParaRPr/>
-          </a:p>
-          <a:p>
-            <a:pPr indent="-342900" lvl="0" marL="457200" rtl="0" algn="l">
-              <a:spcBef>
-                <a:spcPts val="0"/>
-              </a:spcBef>
-              <a:spcAft>
-                <a:spcPts val="0"/>
-              </a:spcAft>
-              <a:buSzPts val="1800"/>
-              <a:buChar char="●"/>
-            </a:pPr>
-            <a:r>
-              <a:rPr lang="en"/>
-              <a:t>Provides more detailed schema control</a:t>
-            </a:r>
-            <a:endParaRPr/>
-          </a:p>
-          <a:p>
-            <a:pPr indent="0" lvl="0" marL="0" rtl="0" algn="l">
-              <a:spcBef>
-                <a:spcPts val="1200"/>
-              </a:spcBef>
-              <a:spcAft>
-                <a:spcPts val="1200"/>
-              </a:spcAft>
-              <a:buNone/>
-            </a:pPr>
-            <a:r>
-              <a:t/>
+              <a:t>In this example, you see how the three main methods work:</a:t>
             </a:r>
             <a:endParaRPr/>
           </a:p>
@@ -6706,59 +7138,14 @@
         <p:nvSpPr>
           <p:cNvPr id="115" name="Google Shape;115;p22"/>
           <p:cNvSpPr txBox="1"/>
-          <p:nvPr/>
-        </p:nvSpPr>
-        <p:spPr>
-          <a:xfrm>
-            <a:off x="6436175" y="2925525"/>
-            <a:ext cx="2735100" cy="461700"/>
-          </a:xfrm>
-          <a:prstGeom prst="rect">
-            <a:avLst/>
-          </a:prstGeom>
-          <a:noFill/>
-          <a:ln>
-            <a:noFill/>
-          </a:ln>
-        </p:spPr>
-        <p:txBody>
-          <a:bodyPr anchorCtr="0" anchor="t" bIns="91425" lIns="91425" spcFirstLastPara="1" rIns="91425" wrap="square" tIns="91425">
-            <a:spAutoFit/>
-          </a:bodyPr>
-          <a:lstStyle/>
-          <a:p>
-            <a:pPr indent="0" lvl="0" marL="0" rtl="0" algn="l">
-              <a:spcBef>
-                <a:spcPts val="0"/>
-              </a:spcBef>
-              <a:spcAft>
-                <a:spcPts val="0"/>
-              </a:spcAft>
-              <a:buNone/>
-            </a:pPr>
-            <a:r>
-              <a:t/>
-            </a:r>
-            <a:endParaRPr sz="1800">
-              <a:solidFill>
-                <a:schemeClr val="dk2"/>
-              </a:solidFill>
-            </a:endParaRPr>
-          </a:p>
-        </p:txBody>
-      </p:sp>
-      <p:sp>
-        <p:nvSpPr>
-          <p:cNvPr id="116" name="Google Shape;116;p22"/>
-          <p:cNvSpPr txBox="1"/>
           <p:nvPr>
             <p:ph idx="1" type="body"/>
           </p:nvPr>
         </p:nvSpPr>
         <p:spPr>
           <a:xfrm>
-            <a:off x="4913625" y="1152475"/>
-            <a:ext cx="3185400" cy="3416400"/>
+            <a:off x="311700" y="1372300"/>
+            <a:ext cx="8520600" cy="3416400"/>
           </a:xfrm>
           <a:prstGeom prst="rect">
             <a:avLst/>
@@ -6766,13 +7153,124 @@
         </p:spPr>
         <p:txBody>
           <a:bodyPr anchorCtr="0" anchor="t" bIns="91425" lIns="91425" spcFirstLastPara="1" rIns="91425" wrap="square" tIns="91425">
-            <a:normAutofit/>
+            <a:normAutofit lnSpcReduction="20000"/>
           </a:bodyPr>
           <a:lstStyle/>
           <a:p>
+            <a:pPr indent="-298450" lvl="0" marL="457200" rtl="0" algn="l">
+              <a:spcBef>
+                <a:spcPts val="0"/>
+              </a:spcBef>
+              <a:spcAft>
+                <a:spcPts val="0"/>
+              </a:spcAft>
+              <a:buSzPts val="1100"/>
+              <a:buChar char="●"/>
+            </a:pPr>
+            <a:r>
+              <a:rPr lang="en" sz="1100">
+                <a:solidFill>
+                  <a:srgbClr val="188038"/>
+                </a:solidFill>
+                <a:latin typeface="Roboto Mono"/>
+                <a:ea typeface="Roboto Mono"/>
+                <a:cs typeface="Roboto Mono"/>
+                <a:sym typeface="Roboto Mono"/>
+              </a:rPr>
+              <a:t>invoke()</a:t>
+            </a:r>
+            <a:r>
+              <a:rPr lang="en" sz="1100">
+                <a:solidFill>
+                  <a:schemeClr val="dk1"/>
+                </a:solidFill>
+              </a:rPr>
+              <a:t> takes a single input and returns a single output.</a:t>
+            </a:r>
+            <a:endParaRPr sz="1100">
+              <a:solidFill>
+                <a:schemeClr val="dk1"/>
+              </a:solidFill>
+            </a:endParaRPr>
+          </a:p>
+          <a:p>
+            <a:pPr indent="-298450" lvl="0" marL="457200" rtl="0" algn="l">
+              <a:spcBef>
+                <a:spcPts val="0"/>
+              </a:spcBef>
+              <a:spcAft>
+                <a:spcPts val="0"/>
+              </a:spcAft>
+              <a:buSzPts val="1100"/>
+              <a:buChar char="●"/>
+            </a:pPr>
+            <a:r>
+              <a:rPr lang="en" sz="1100">
+                <a:solidFill>
+                  <a:srgbClr val="188038"/>
+                </a:solidFill>
+                <a:latin typeface="Roboto Mono"/>
+                <a:ea typeface="Roboto Mono"/>
+                <a:cs typeface="Roboto Mono"/>
+                <a:sym typeface="Roboto Mono"/>
+              </a:rPr>
+              <a:t>batch()</a:t>
+            </a:r>
+            <a:r>
+              <a:rPr lang="en" sz="1100">
+                <a:solidFill>
+                  <a:schemeClr val="dk1"/>
+                </a:solidFill>
+              </a:rPr>
+              <a:t> takes a list of outputs and returns a list of outputs.</a:t>
+            </a:r>
+            <a:endParaRPr sz="1100">
+              <a:solidFill>
+                <a:schemeClr val="dk1"/>
+              </a:solidFill>
+            </a:endParaRPr>
+          </a:p>
+          <a:p>
+            <a:pPr indent="-298450" lvl="0" marL="457200" rtl="0" algn="l">
+              <a:spcBef>
+                <a:spcPts val="0"/>
+              </a:spcBef>
+              <a:spcAft>
+                <a:spcPts val="0"/>
+              </a:spcAft>
+              <a:buSzPts val="1100"/>
+              <a:buChar char="●"/>
+            </a:pPr>
+            <a:r>
+              <a:rPr lang="en" sz="1100">
+                <a:solidFill>
+                  <a:srgbClr val="188038"/>
+                </a:solidFill>
+                <a:latin typeface="Roboto Mono"/>
+                <a:ea typeface="Roboto Mono"/>
+                <a:cs typeface="Roboto Mono"/>
+                <a:sym typeface="Roboto Mono"/>
+              </a:rPr>
+              <a:t>stream()</a:t>
+            </a:r>
+            <a:r>
+              <a:rPr lang="en" sz="1100">
+                <a:solidFill>
+                  <a:schemeClr val="dk1"/>
+                </a:solidFill>
+              </a:rPr>
+              <a:t> takes a single input and returns an iterator of parts of the output as they become available.</a:t>
+            </a:r>
+            <a:endParaRPr sz="1100">
+              <a:solidFill>
+                <a:schemeClr val="dk1"/>
+              </a:solidFill>
+            </a:endParaRPr>
+          </a:p>
+          <a:p>
             <a:pPr indent="0" lvl="0" marL="0" rtl="0" algn="l">
               <a:spcBef>
-                <a:spcPts val="0"/>
+                <a:spcPts val="1200"/>
               </a:spcBef>
               <a:spcAft>
                 <a:spcPts val="0"/>
@@ -6781,60 +7279,148 @@
             </a:pPr>
             <a:r>
               <a:rPr lang="en"/>
-              <a:t>Ideal For:</a:t>
+              <a:t>In some cases, where the underlying component doesn’t support iterative output, there will be a single part containing all output.</a:t>
             </a:r>
             <a:endParaRPr/>
           </a:p>
           <a:p>
-            <a:pPr indent="-342900" lvl="0" marL="457200" rtl="0" algn="l">
+            <a:pPr indent="0" lvl="0" marL="0" rtl="0" algn="l">
               <a:spcBef>
                 <a:spcPts val="1200"/>
               </a:spcBef>
               <a:spcAft>
                 <a:spcPts val="0"/>
               </a:spcAft>
-              <a:buSzPts val="1800"/>
-              <a:buChar char="●"/>
+              <a:buNone/>
             </a:pPr>
             <a:r>
               <a:rPr lang="en"/>
-              <a:t>Product reviews</a:t>
+              <a:t>You can combine these components in two ways:</a:t>
             </a:r>
             <a:endParaRPr/>
           </a:p>
           <a:p>
-            <a:pPr indent="-342900" lvl="0" marL="457200" rtl="0" algn="l">
-              <a:spcBef>
-                <a:spcPts val="0"/>
-              </a:spcBef>
-              <a:spcAft>
-                <a:spcPts val="0"/>
-              </a:spcAft>
-              <a:buSzPts val="1800"/>
-              <a:buChar char="●"/>
+            <a:pPr indent="0" lvl="0" marL="457200" rtl="0" algn="l">
+              <a:spcBef>
+                <a:spcPts val="1200"/>
+              </a:spcBef>
+              <a:spcAft>
+                <a:spcPts val="0"/>
+              </a:spcAft>
+              <a:buNone/>
             </a:pPr>
             <a:r>
-              <a:rPr lang="en"/>
-              <a:t>Media catalogs</a:t>
-            </a:r>
-            <a:endParaRPr/>
+              <a:rPr i="1" lang="en" sz="1100">
+                <a:solidFill>
+                  <a:schemeClr val="dk1"/>
+                </a:solidFill>
+              </a:rPr>
+              <a:t>Imperative</a:t>
+            </a:r>
+            <a:endParaRPr i="1" sz="1100">
+              <a:solidFill>
+                <a:schemeClr val="dk1"/>
+              </a:solidFill>
+            </a:endParaRPr>
           </a:p>
           <a:p>
-            <a:pPr indent="-342900" lvl="0" marL="457200" rtl="0" algn="l">
-              <a:spcBef>
-                <a:spcPts val="0"/>
-              </a:spcBef>
-              <a:spcAft>
-                <a:spcPts val="0"/>
-              </a:spcAft>
-              <a:buSzPts val="1800"/>
-              <a:buChar char="●"/>
+            <a:pPr indent="457200" lvl="0" marL="457200" rtl="0" algn="l">
+              <a:spcBef>
+                <a:spcPts val="1200"/>
+              </a:spcBef>
+              <a:spcAft>
+                <a:spcPts val="0"/>
+              </a:spcAft>
+              <a:buClr>
+                <a:schemeClr val="dk1"/>
+              </a:buClr>
+              <a:buSzPts val="1100"/>
+              <a:buFont typeface="Arial"/>
+              <a:buNone/>
             </a:pPr>
             <a:r>
-              <a:rPr lang="en"/>
-              <a:t>Detailed assessment reports</a:t>
-            </a:r>
-            <a:endParaRPr/>
+              <a:rPr lang="en" sz="1100">
+                <a:solidFill>
+                  <a:schemeClr val="dk1"/>
+                </a:solidFill>
+              </a:rPr>
+              <a:t>Call your components directly, for example, with </a:t>
+            </a:r>
+            <a:r>
+              <a:rPr lang="en" sz="1100">
+                <a:solidFill>
+                  <a:srgbClr val="188038"/>
+                </a:solidFill>
+                <a:latin typeface="Roboto Mono"/>
+                <a:ea typeface="Roboto Mono"/>
+                <a:cs typeface="Roboto Mono"/>
+                <a:sym typeface="Roboto Mono"/>
+              </a:rPr>
+              <a:t>model.invoke(...)</a:t>
+            </a:r>
+            <a:endParaRPr sz="1100">
+              <a:solidFill>
+                <a:schemeClr val="dk1"/>
+              </a:solidFill>
+            </a:endParaRPr>
+          </a:p>
+          <a:p>
+            <a:pPr indent="457200" lvl="0" marL="0" rtl="0" algn="l">
+              <a:spcBef>
+                <a:spcPts val="1200"/>
+              </a:spcBef>
+              <a:spcAft>
+                <a:spcPts val="0"/>
+              </a:spcAft>
+              <a:buClr>
+                <a:schemeClr val="dk1"/>
+              </a:buClr>
+              <a:buSzPts val="1100"/>
+              <a:buFont typeface="Arial"/>
+              <a:buNone/>
+            </a:pPr>
+            <a:r>
+              <a:rPr i="1" lang="en" sz="1100">
+                <a:solidFill>
+                  <a:schemeClr val="dk1"/>
+                </a:solidFill>
+              </a:rPr>
+              <a:t>Declarative</a:t>
+            </a:r>
+            <a:endParaRPr i="1" sz="1100">
+              <a:solidFill>
+                <a:schemeClr val="dk1"/>
+              </a:solidFill>
+            </a:endParaRPr>
+          </a:p>
+          <a:p>
+            <a:pPr indent="457200" lvl="0" marL="457200" rtl="0" algn="l">
+              <a:spcBef>
+                <a:spcPts val="1200"/>
+              </a:spcBef>
+              <a:spcAft>
+                <a:spcPts val="0"/>
+              </a:spcAft>
+              <a:buClr>
+                <a:schemeClr val="dk1"/>
+              </a:buClr>
+              <a:buSzPts val="1100"/>
+              <a:buFont typeface="Arial"/>
+              <a:buNone/>
+            </a:pPr>
+            <a:r>
+              <a:rPr lang="en" sz="1100">
+                <a:solidFill>
+                  <a:schemeClr val="dk1"/>
+                </a:solidFill>
+              </a:rPr>
+              <a:t>Use LangChain Expression Language (LCEL), as covered in an upcoming section</a:t>
+            </a:r>
+            <a:endParaRPr sz="1100">
+              <a:solidFill>
+                <a:schemeClr val="dk1"/>
+              </a:solidFill>
+            </a:endParaRPr>
           </a:p>
           <a:p>
             <a:pPr indent="0" lvl="0" marL="0" rtl="0" algn="l">
@@ -6866,7 +7452,7 @@
   <p:cSld>
     <p:spTree>
       <p:nvGrpSpPr>
-        <p:cNvPr id="120" name="Shape 120"/>
+        <p:cNvPr id="119" name="Shape 119"/>
         <p:cNvGrpSpPr/>
         <p:nvPr/>
       </p:nvGrpSpPr>
@@ -6880,7 +7466,7 @@
       </p:grpSpPr>
       <p:sp>
         <p:nvSpPr>
-          <p:cNvPr id="121" name="Google Shape;121;p23"/>
+          <p:cNvPr id="120" name="Google Shape;120;p23"/>
           <p:cNvSpPr txBox="1"/>
           <p:nvPr>
             <p:ph type="title"/>
@@ -6912,7 +7498,280 @@
             </a:pPr>
             <a:r>
               <a:rPr lang="en"/>
-              <a:t>Example Use Case</a:t>
+              <a:t>Imperative and Declarative Composition</a:t>
+            </a:r>
+            <a:endParaRPr/>
+          </a:p>
+        </p:txBody>
+      </p:sp>
+      <p:sp>
+        <p:nvSpPr>
+          <p:cNvPr id="121" name="Google Shape;121;p23"/>
+          <p:cNvSpPr txBox="1"/>
+          <p:nvPr>
+            <p:ph idx="1" type="body"/>
+          </p:nvPr>
+        </p:nvSpPr>
+        <p:spPr>
+          <a:xfrm>
+            <a:off x="311700" y="1152475"/>
+            <a:ext cx="8520600" cy="3416400"/>
+          </a:xfrm>
+          <a:prstGeom prst="rect">
+            <a:avLst/>
+          </a:prstGeom>
+        </p:spPr>
+        <p:txBody>
+          <a:bodyPr anchorCtr="0" anchor="t" bIns="91425" lIns="91425" spcFirstLastPara="1" rIns="91425" wrap="square" tIns="91425">
+            <a:normAutofit/>
+          </a:bodyPr>
+          <a:lstStyle/>
+          <a:p>
+            <a:pPr indent="0" lvl="0" marL="0" rtl="0" algn="l">
+              <a:spcBef>
+                <a:spcPts val="0"/>
+              </a:spcBef>
+              <a:spcAft>
+                <a:spcPts val="0"/>
+              </a:spcAft>
+              <a:buNone/>
+            </a:pPr>
+            <a:r>
+              <a:rPr b="1" i="1" lang="en">
+                <a:solidFill>
+                  <a:srgbClr val="999999"/>
+                </a:solidFill>
+              </a:rPr>
+              <a:t>Imperative composition</a:t>
+            </a:r>
+            <a:r>
+              <a:rPr lang="en">
+                <a:solidFill>
+                  <a:schemeClr val="dk1"/>
+                </a:solidFill>
+              </a:rPr>
+              <a:t> </a:t>
+            </a:r>
+            <a:r>
+              <a:rPr lang="en"/>
+              <a:t>is just a fancy name for writing the code you’re used to writing, composing these components into functions and classes.</a:t>
+            </a:r>
+            <a:r>
+              <a:rPr lang="en" sz="1100"/>
+              <a:t> </a:t>
+            </a:r>
+            <a:endParaRPr sz="1100"/>
+          </a:p>
+          <a:p>
+            <a:pPr indent="0" lvl="0" marL="0" rtl="0" algn="l">
+              <a:spcBef>
+                <a:spcPts val="1200"/>
+              </a:spcBef>
+              <a:spcAft>
+                <a:spcPts val="0"/>
+              </a:spcAft>
+              <a:buNone/>
+            </a:pPr>
+            <a:r>
+              <a:t/>
+            </a:r>
+            <a:endParaRPr sz="1100">
+              <a:solidFill>
+                <a:schemeClr val="dk1"/>
+              </a:solidFill>
+            </a:endParaRPr>
+          </a:p>
+          <a:p>
+            <a:pPr indent="0" lvl="0" marL="0" rtl="0" algn="l">
+              <a:spcBef>
+                <a:spcPts val="1200"/>
+              </a:spcBef>
+              <a:spcAft>
+                <a:spcPts val="0"/>
+              </a:spcAft>
+              <a:buNone/>
+            </a:pPr>
+            <a:r>
+              <a:t/>
+            </a:r>
+            <a:endParaRPr sz="1100">
+              <a:solidFill>
+                <a:schemeClr val="dk1"/>
+              </a:solidFill>
+            </a:endParaRPr>
+          </a:p>
+          <a:p>
+            <a:pPr indent="0" lvl="0" marL="0" rtl="0" algn="l">
+              <a:spcBef>
+                <a:spcPts val="1200"/>
+              </a:spcBef>
+              <a:spcAft>
+                <a:spcPts val="0"/>
+              </a:spcAft>
+              <a:buNone/>
+            </a:pPr>
+            <a:r>
+              <a:t/>
+            </a:r>
+            <a:endParaRPr sz="1100">
+              <a:solidFill>
+                <a:schemeClr val="dk1"/>
+              </a:solidFill>
+            </a:endParaRPr>
+          </a:p>
+          <a:p>
+            <a:pPr indent="0" lvl="0" marL="0" rtl="0" algn="l">
+              <a:spcBef>
+                <a:spcPts val="1200"/>
+              </a:spcBef>
+              <a:spcAft>
+                <a:spcPts val="0"/>
+              </a:spcAft>
+              <a:buNone/>
+            </a:pPr>
+            <a:r>
+              <a:t/>
+            </a:r>
+            <a:endParaRPr sz="1100">
+              <a:solidFill>
+                <a:schemeClr val="dk1"/>
+              </a:solidFill>
+            </a:endParaRPr>
+          </a:p>
+          <a:p>
+            <a:pPr indent="0" lvl="0" marL="0" rtl="0" algn="l">
+              <a:spcBef>
+                <a:spcPts val="1200"/>
+              </a:spcBef>
+              <a:spcAft>
+                <a:spcPts val="1200"/>
+              </a:spcAft>
+              <a:buNone/>
+            </a:pPr>
+            <a:r>
+              <a:rPr lang="en">
+                <a:solidFill>
+                  <a:srgbClr val="666666"/>
+                </a:solidFill>
+              </a:rPr>
+              <a:t>LCEL is a </a:t>
+            </a:r>
+            <a:r>
+              <a:rPr b="1" i="1" lang="en">
+                <a:solidFill>
+                  <a:srgbClr val="999999"/>
+                </a:solidFill>
+              </a:rPr>
+              <a:t>declarative language</a:t>
+            </a:r>
+            <a:r>
+              <a:rPr lang="en">
+                <a:solidFill>
+                  <a:srgbClr val="666666"/>
+                </a:solidFill>
+              </a:rPr>
+              <a:t> for composing LangChain components. LangChain compiles LCEL compositions to an </a:t>
+            </a:r>
+            <a:r>
+              <a:rPr b="1" i="1" lang="en">
+                <a:solidFill>
+                  <a:srgbClr val="999999"/>
+                </a:solidFill>
+              </a:rPr>
+              <a:t>optimized execution plan</a:t>
+            </a:r>
+            <a:r>
+              <a:rPr lang="en">
+                <a:solidFill>
+                  <a:srgbClr val="666666"/>
+                </a:solidFill>
+              </a:rPr>
+              <a:t>, with automatic parallelization, streaming, tracing, and async support.</a:t>
+            </a:r>
+            <a:endParaRPr sz="2500">
+              <a:solidFill>
+                <a:srgbClr val="666666"/>
+              </a:solidFill>
+            </a:endParaRPr>
+          </a:p>
+        </p:txBody>
+      </p:sp>
+    </p:spTree>
+  </p:cSld>
+  <p:clrMapOvr>
+    <a:masterClrMapping/>
+  </p:clrMapOvr>
+</p:sld>
+</file>
+
+<file path=ppt/slides/slide12.xml><?xml version="1.0" encoding="utf-8"?>
+<p:sld xmlns:a="http://schemas.openxmlformats.org/drawingml/2006/main" xmlns:r="http://schemas.openxmlformats.org/officeDocument/2006/relationships" xmlns:mc="http://schemas.openxmlformats.org/markup-compatibility/2006" xmlns:mv="urn:schemas-microsoft-com:mac:vml" xmlns:p="http://schemas.openxmlformats.org/presentationml/2006/main" xmlns:c="http://schemas.openxmlformats.org/drawingml/2006/chart" xmlns:dgm="http://schemas.openxmlformats.org/drawingml/2006/diagram" xmlns:o="urn:schemas-microsoft-com:office:office" xmlns:v="urn:schemas-microsoft-com:vml" xmlns:pvml="urn:schemas-microsoft-com:office:powerpoint" xmlns:com="http://schemas.openxmlformats.org/drawingml/2006/compatibility" xmlns:p14="http://schemas.microsoft.com/office/powerpoint/2010/main" xmlns:p15="http://schemas.microsoft.com/office/powerpoint/2012/main" xmlns:ahyp="http://schemas.microsoft.com/office/drawing/2018/hyperlinkcolor">
+  <p:cSld>
+    <p:spTree>
+      <p:nvGrpSpPr>
+        <p:cNvPr id="125" name="Shape 125"/>
+        <p:cNvGrpSpPr/>
+        <p:nvPr/>
+      </p:nvGrpSpPr>
+      <p:grpSpPr>
+        <a:xfrm>
+          <a:off x="0" y="0"/>
+          <a:ext cx="0" cy="0"/>
+          <a:chOff x="0" y="0"/>
+          <a:chExt cx="0" cy="0"/>
+        </a:xfrm>
+      </p:grpSpPr>
+      <p:sp>
+        <p:nvSpPr>
+          <p:cNvPr id="126" name="Google Shape;126;p24"/>
+          <p:cNvSpPr txBox="1"/>
+          <p:nvPr>
+            <p:ph type="title"/>
+          </p:nvPr>
+        </p:nvSpPr>
+        <p:spPr>
+          <a:xfrm>
+            <a:off x="311700" y="445025"/>
+            <a:ext cx="8520600" cy="572700"/>
+          </a:xfrm>
+          <a:prstGeom prst="rect">
+            <a:avLst/>
+          </a:prstGeom>
+        </p:spPr>
+        <p:txBody>
+          <a:bodyPr anchorCtr="0" anchor="t" bIns="91425" lIns="91425" spcFirstLastPara="1" rIns="91425" wrap="square" tIns="91425">
+            <a:normAutofit fontScale="90000"/>
+          </a:bodyPr>
+          <a:lstStyle/>
+          <a:p>
+            <a:pPr indent="0" lvl="0" marL="0" rtl="0" algn="l">
+              <a:spcBef>
+                <a:spcPts val="0"/>
+              </a:spcBef>
+              <a:spcAft>
+                <a:spcPts val="0"/>
+              </a:spcAft>
+              <a:buNone/>
+            </a:pPr>
+            <a:r>
+              <a:rPr lang="en"/>
+              <a:t>Here’s an </a:t>
+            </a:r>
+            <a:r>
+              <a:rPr i="1" lang="en"/>
+              <a:t>Imperative </a:t>
+            </a:r>
+            <a:r>
+              <a:rPr lang="en"/>
+              <a:t>example </a:t>
+            </a:r>
+            <a:r>
+              <a:rPr lang="en"/>
+              <a:t>combining</a:t>
+            </a:r>
+            <a:r>
+              <a:rPr lang="en"/>
+              <a:t> prompts, models, and output parsers:</a:t>
             </a:r>
             <a:endParaRPr/>
           </a:p>
@@ -6920,22 +7779,21 @@
       </p:sp>
       <p:pic>
         <p:nvPicPr>
-          <p:cNvPr id="122" name="Google Shape;122;p23"/>
+          <p:cNvPr id="127" name="Google Shape;127;p24"/>
           <p:cNvPicPr preferRelativeResize="0"/>
           <p:nvPr/>
         </p:nvPicPr>
-        <p:blipFill>
+        <p:blipFill rotWithShape="1">
           <a:blip r:embed="rId3">
             <a:alphaModFix/>
           </a:blip>
-          <a:stretch>
-            <a:fillRect/>
-          </a:stretch>
+          <a:srcRect b="5152" l="0" r="0" t="7671"/>
+          <a:stretch/>
         </p:blipFill>
         <p:spPr>
           <a:xfrm>
-            <a:off x="311700" y="1489200"/>
-            <a:ext cx="8520601" cy="2165097"/>
+            <a:off x="1406700" y="1412300"/>
+            <a:ext cx="6075924" cy="3496751"/>
           </a:xfrm>
           <a:prstGeom prst="rect">
             <a:avLst/>
@@ -6946,6 +7804,535 @@
           </a:ln>
         </p:spPr>
       </p:pic>
+    </p:spTree>
+  </p:cSld>
+  <p:clrMapOvr>
+    <a:masterClrMapping/>
+  </p:clrMapOvr>
+</p:sld>
+</file>
+
+<file path=ppt/slides/slide13.xml><?xml version="1.0" encoding="utf-8"?>
+<p:sld xmlns:a="http://schemas.openxmlformats.org/drawingml/2006/main" xmlns:r="http://schemas.openxmlformats.org/officeDocument/2006/relationships" xmlns:mc="http://schemas.openxmlformats.org/markup-compatibility/2006" xmlns:mv="urn:schemas-microsoft-com:mac:vml" xmlns:p="http://schemas.openxmlformats.org/presentationml/2006/main" xmlns:c="http://schemas.openxmlformats.org/drawingml/2006/chart" xmlns:dgm="http://schemas.openxmlformats.org/drawingml/2006/diagram" xmlns:o="urn:schemas-microsoft-com:office:office" xmlns:v="urn:schemas-microsoft-com:vml" xmlns:pvml="urn:schemas-microsoft-com:office:powerpoint" xmlns:com="http://schemas.openxmlformats.org/drawingml/2006/compatibility" xmlns:p14="http://schemas.microsoft.com/office/powerpoint/2010/main" xmlns:p15="http://schemas.microsoft.com/office/powerpoint/2012/main" xmlns:ahyp="http://schemas.microsoft.com/office/drawing/2018/hyperlinkcolor">
+  <p:cSld>
+    <p:spTree>
+      <p:nvGrpSpPr>
+        <p:cNvPr id="131" name="Shape 131"/>
+        <p:cNvGrpSpPr/>
+        <p:nvPr/>
+      </p:nvGrpSpPr>
+      <p:grpSpPr>
+        <a:xfrm>
+          <a:off x="0" y="0"/>
+          <a:ext cx="0" cy="0"/>
+          <a:chOff x="0" y="0"/>
+          <a:chExt cx="0" cy="0"/>
+        </a:xfrm>
+      </p:grpSpPr>
+      <p:sp>
+        <p:nvSpPr>
+          <p:cNvPr id="132" name="Google Shape;132;p25"/>
+          <p:cNvSpPr txBox="1"/>
+          <p:nvPr>
+            <p:ph type="title"/>
+          </p:nvPr>
+        </p:nvSpPr>
+        <p:spPr>
+          <a:xfrm>
+            <a:off x="311700" y="445025"/>
+            <a:ext cx="8520600" cy="572700"/>
+          </a:xfrm>
+          <a:prstGeom prst="rect">
+            <a:avLst/>
+          </a:prstGeom>
+        </p:spPr>
+        <p:txBody>
+          <a:bodyPr anchorCtr="0" anchor="t" bIns="91425" lIns="91425" spcFirstLastPara="1" rIns="91425" wrap="square" tIns="91425">
+            <a:normAutofit fontScale="90000"/>
+          </a:bodyPr>
+          <a:lstStyle/>
+          <a:p>
+            <a:pPr indent="0" lvl="0" marL="0" rtl="0" algn="l">
+              <a:spcBef>
+                <a:spcPts val="0"/>
+              </a:spcBef>
+              <a:spcAft>
+                <a:spcPts val="0"/>
+              </a:spcAft>
+              <a:buNone/>
+            </a:pPr>
+            <a:r>
+              <a:rPr i="1" lang="en">
+                <a:solidFill>
+                  <a:schemeClr val="dk2"/>
+                </a:solidFill>
+              </a:rPr>
+              <a:t>Imperative (cont.)</a:t>
+            </a:r>
+            <a:endParaRPr i="1">
+              <a:solidFill>
+                <a:schemeClr val="dk2"/>
+              </a:solidFill>
+            </a:endParaRPr>
+          </a:p>
+        </p:txBody>
+      </p:sp>
+      <p:sp>
+        <p:nvSpPr>
+          <p:cNvPr id="133" name="Google Shape;133;p25"/>
+          <p:cNvSpPr txBox="1"/>
+          <p:nvPr>
+            <p:ph idx="1" type="body"/>
+          </p:nvPr>
+        </p:nvSpPr>
+        <p:spPr>
+          <a:xfrm>
+            <a:off x="311700" y="1152475"/>
+            <a:ext cx="8520600" cy="3416400"/>
+          </a:xfrm>
+          <a:prstGeom prst="rect">
+            <a:avLst/>
+          </a:prstGeom>
+        </p:spPr>
+        <p:txBody>
+          <a:bodyPr anchorCtr="0" anchor="t" bIns="91425" lIns="91425" spcFirstLastPara="1" rIns="91425" wrap="square" tIns="91425">
+            <a:normAutofit/>
+          </a:bodyPr>
+          <a:lstStyle/>
+          <a:p>
+            <a:pPr indent="0" lvl="0" marL="0" rtl="0" algn="l">
+              <a:spcBef>
+                <a:spcPts val="0"/>
+              </a:spcBef>
+              <a:spcAft>
+                <a:spcPts val="1200"/>
+              </a:spcAft>
+              <a:buNone/>
+            </a:pPr>
+            <a:r>
+              <a:rPr lang="en"/>
+              <a:t>The preceding is a complete example of a chatbot, using a prompt and chat model. As you can see, it uses familiar Python syntax and supports any custom logic you might want to add in that function.</a:t>
+            </a:r>
+            <a:endParaRPr/>
+          </a:p>
+        </p:txBody>
+      </p:sp>
+      <p:sp>
+        <p:nvSpPr>
+          <p:cNvPr id="134" name="Google Shape;134;p25"/>
+          <p:cNvSpPr txBox="1"/>
+          <p:nvPr>
+            <p:ph idx="1" type="body"/>
+          </p:nvPr>
+        </p:nvSpPr>
+        <p:spPr>
+          <a:xfrm>
+            <a:off x="504075" y="2397000"/>
+            <a:ext cx="900000" cy="349500"/>
+          </a:xfrm>
+          <a:prstGeom prst="rect">
+            <a:avLst/>
+          </a:prstGeom>
+        </p:spPr>
+        <p:txBody>
+          <a:bodyPr anchorCtr="0" anchor="t" bIns="91425" lIns="91425" spcFirstLastPara="1" rIns="91425" wrap="square" tIns="91425">
+            <a:normAutofit fontScale="25000" lnSpcReduction="20000"/>
+          </a:bodyPr>
+          <a:lstStyle/>
+          <a:p>
+            <a:pPr indent="0" lvl="0" marL="0" rtl="0" algn="l">
+              <a:spcBef>
+                <a:spcPts val="1200"/>
+              </a:spcBef>
+              <a:spcAft>
+                <a:spcPts val="1200"/>
+              </a:spcAft>
+              <a:buNone/>
+            </a:pPr>
+            <a:r>
+              <a:rPr i="1" lang="en" sz="4415"/>
+              <a:t>The output:</a:t>
+            </a:r>
+            <a:endParaRPr i="1"/>
+          </a:p>
+        </p:txBody>
+      </p:sp>
+      <p:pic>
+        <p:nvPicPr>
+          <p:cNvPr id="135" name="Google Shape;135;p25"/>
+          <p:cNvPicPr preferRelativeResize="0"/>
+          <p:nvPr/>
+        </p:nvPicPr>
+        <p:blipFill rotWithShape="1">
+          <a:blip r:embed="rId3">
+            <a:alphaModFix/>
+          </a:blip>
+          <a:srcRect b="0" l="0" r="0" t="30274"/>
+          <a:stretch/>
+        </p:blipFill>
+        <p:spPr>
+          <a:xfrm>
+            <a:off x="614000" y="2784250"/>
+            <a:ext cx="6982902" cy="660700"/>
+          </a:xfrm>
+          <a:prstGeom prst="rect">
+            <a:avLst/>
+          </a:prstGeom>
+          <a:noFill/>
+          <a:ln>
+            <a:noFill/>
+          </a:ln>
+        </p:spPr>
+      </p:pic>
+    </p:spTree>
+  </p:cSld>
+  <p:clrMapOvr>
+    <a:masterClrMapping/>
+  </p:clrMapOvr>
+</p:sld>
+</file>
+
+<file path=ppt/slides/slide14.xml><?xml version="1.0" encoding="utf-8"?>
+<p:sld xmlns:a="http://schemas.openxmlformats.org/drawingml/2006/main" xmlns:r="http://schemas.openxmlformats.org/officeDocument/2006/relationships" xmlns:mc="http://schemas.openxmlformats.org/markup-compatibility/2006" xmlns:mv="urn:schemas-microsoft-com:mac:vml" xmlns:p="http://schemas.openxmlformats.org/presentationml/2006/main" xmlns:c="http://schemas.openxmlformats.org/drawingml/2006/chart" xmlns:dgm="http://schemas.openxmlformats.org/drawingml/2006/diagram" xmlns:o="urn:schemas-microsoft-com:office:office" xmlns:v="urn:schemas-microsoft-com:vml" xmlns:pvml="urn:schemas-microsoft-com:office:powerpoint" xmlns:com="http://schemas.openxmlformats.org/drawingml/2006/compatibility" xmlns:p14="http://schemas.microsoft.com/office/powerpoint/2010/main" xmlns:p15="http://schemas.microsoft.com/office/powerpoint/2012/main" xmlns:ahyp="http://schemas.microsoft.com/office/drawing/2018/hyperlinkcolor">
+  <p:cSld>
+    <p:spTree>
+      <p:nvGrpSpPr>
+        <p:cNvPr id="139" name="Shape 139"/>
+        <p:cNvGrpSpPr/>
+        <p:nvPr/>
+      </p:nvGrpSpPr>
+      <p:grpSpPr>
+        <a:xfrm>
+          <a:off x="0" y="0"/>
+          <a:ext cx="0" cy="0"/>
+          <a:chOff x="0" y="0"/>
+          <a:chExt cx="0" cy="0"/>
+        </a:xfrm>
+      </p:grpSpPr>
+      <p:sp>
+        <p:nvSpPr>
+          <p:cNvPr id="140" name="Google Shape;140;p26"/>
+          <p:cNvSpPr txBox="1"/>
+          <p:nvPr>
+            <p:ph type="title"/>
+          </p:nvPr>
+        </p:nvSpPr>
+        <p:spPr>
+          <a:xfrm>
+            <a:off x="311700" y="445025"/>
+            <a:ext cx="8520600" cy="572700"/>
+          </a:xfrm>
+          <a:prstGeom prst="rect">
+            <a:avLst/>
+          </a:prstGeom>
+        </p:spPr>
+        <p:txBody>
+          <a:bodyPr anchorCtr="0" anchor="t" bIns="91425" lIns="91425" spcFirstLastPara="1" rIns="91425" wrap="square" tIns="91425">
+            <a:normAutofit fontScale="90000"/>
+          </a:bodyPr>
+          <a:lstStyle/>
+          <a:p>
+            <a:pPr indent="0" lvl="0" marL="0" rtl="0" algn="l">
+              <a:spcBef>
+                <a:spcPts val="0"/>
+              </a:spcBef>
+              <a:spcAft>
+                <a:spcPts val="0"/>
+              </a:spcAft>
+              <a:buNone/>
+            </a:pPr>
+            <a:r>
+              <a:rPr lang="en"/>
+              <a:t>Let’s see the </a:t>
+            </a:r>
+            <a:r>
+              <a:rPr b="1" lang="en"/>
+              <a:t>same </a:t>
+            </a:r>
+            <a:r>
+              <a:rPr lang="en"/>
+              <a:t>example using LCEL:</a:t>
+            </a:r>
+            <a:endParaRPr/>
+          </a:p>
+        </p:txBody>
+      </p:sp>
+      <p:pic>
+        <p:nvPicPr>
+          <p:cNvPr id="141" name="Google Shape;141;p26"/>
+          <p:cNvPicPr preferRelativeResize="0"/>
+          <p:nvPr/>
+        </p:nvPicPr>
+        <p:blipFill rotWithShape="1">
+          <a:blip r:embed="rId3">
+            <a:alphaModFix/>
+          </a:blip>
+          <a:srcRect b="3109" l="0" r="0" t="10032"/>
+          <a:stretch/>
+        </p:blipFill>
+        <p:spPr>
+          <a:xfrm>
+            <a:off x="920650" y="1252925"/>
+            <a:ext cx="7302699" cy="3319099"/>
+          </a:xfrm>
+          <a:prstGeom prst="rect">
+            <a:avLst/>
+          </a:prstGeom>
+          <a:noFill/>
+          <a:ln>
+            <a:noFill/>
+          </a:ln>
+        </p:spPr>
+      </p:pic>
+    </p:spTree>
+  </p:cSld>
+  <p:clrMapOvr>
+    <a:masterClrMapping/>
+  </p:clrMapOvr>
+</p:sld>
+</file>
+
+<file path=ppt/slides/slide15.xml><?xml version="1.0" encoding="utf-8"?>
+<p:sld xmlns:a="http://schemas.openxmlformats.org/drawingml/2006/main" xmlns:r="http://schemas.openxmlformats.org/officeDocument/2006/relationships" xmlns:mc="http://schemas.openxmlformats.org/markup-compatibility/2006" xmlns:mv="urn:schemas-microsoft-com:mac:vml" xmlns:p="http://schemas.openxmlformats.org/presentationml/2006/main" xmlns:c="http://schemas.openxmlformats.org/drawingml/2006/chart" xmlns:dgm="http://schemas.openxmlformats.org/drawingml/2006/diagram" xmlns:o="urn:schemas-microsoft-com:office:office" xmlns:v="urn:schemas-microsoft-com:vml" xmlns:pvml="urn:schemas-microsoft-com:office:powerpoint" xmlns:com="http://schemas.openxmlformats.org/drawingml/2006/compatibility" xmlns:p14="http://schemas.microsoft.com/office/powerpoint/2010/main" xmlns:p15="http://schemas.microsoft.com/office/powerpoint/2012/main" xmlns:ahyp="http://schemas.microsoft.com/office/drawing/2018/hyperlinkcolor">
+  <p:cSld>
+    <p:spTree>
+      <p:nvGrpSpPr>
+        <p:cNvPr id="145" name="Shape 145"/>
+        <p:cNvGrpSpPr/>
+        <p:nvPr/>
+      </p:nvGrpSpPr>
+      <p:grpSpPr>
+        <a:xfrm>
+          <a:off x="0" y="0"/>
+          <a:ext cx="0" cy="0"/>
+          <a:chOff x="0" y="0"/>
+          <a:chExt cx="0" cy="0"/>
+        </a:xfrm>
+      </p:grpSpPr>
+      <p:sp>
+        <p:nvSpPr>
+          <p:cNvPr id="146" name="Google Shape;146;p27"/>
+          <p:cNvSpPr txBox="1"/>
+          <p:nvPr>
+            <p:ph type="title"/>
+          </p:nvPr>
+        </p:nvSpPr>
+        <p:spPr>
+          <a:xfrm>
+            <a:off x="311700" y="445025"/>
+            <a:ext cx="8520600" cy="572700"/>
+          </a:xfrm>
+          <a:prstGeom prst="rect">
+            <a:avLst/>
+          </a:prstGeom>
+        </p:spPr>
+        <p:txBody>
+          <a:bodyPr anchorCtr="0" anchor="t" bIns="91425" lIns="91425" spcFirstLastPara="1" rIns="91425" wrap="square" tIns="91425">
+            <a:normAutofit fontScale="90000"/>
+          </a:bodyPr>
+          <a:lstStyle/>
+          <a:p>
+            <a:pPr indent="0" lvl="0" marL="0" rtl="0" algn="l">
+              <a:spcBef>
+                <a:spcPts val="0"/>
+              </a:spcBef>
+              <a:spcAft>
+                <a:spcPts val="0"/>
+              </a:spcAft>
+              <a:buNone/>
+            </a:pPr>
+            <a:r>
+              <a:rPr i="1" lang="en">
+                <a:solidFill>
+                  <a:schemeClr val="dk2"/>
+                </a:solidFill>
+              </a:rPr>
+              <a:t>LCEL (cont.)</a:t>
+            </a:r>
+            <a:endParaRPr i="1">
+              <a:solidFill>
+                <a:schemeClr val="dk2"/>
+              </a:solidFill>
+            </a:endParaRPr>
+          </a:p>
+        </p:txBody>
+      </p:sp>
+      <p:sp>
+        <p:nvSpPr>
+          <p:cNvPr id="147" name="Google Shape;147;p27"/>
+          <p:cNvSpPr txBox="1"/>
+          <p:nvPr>
+            <p:ph idx="1" type="body"/>
+          </p:nvPr>
+        </p:nvSpPr>
+        <p:spPr>
+          <a:xfrm>
+            <a:off x="311700" y="1152475"/>
+            <a:ext cx="8520600" cy="3416400"/>
+          </a:xfrm>
+          <a:prstGeom prst="rect">
+            <a:avLst/>
+          </a:prstGeom>
+        </p:spPr>
+        <p:txBody>
+          <a:bodyPr anchorCtr="0" anchor="t" bIns="91425" lIns="91425" spcFirstLastPara="1" rIns="91425" wrap="square" tIns="91425">
+            <a:normAutofit/>
+          </a:bodyPr>
+          <a:lstStyle/>
+          <a:p>
+            <a:pPr indent="0" lvl="0" marL="0" rtl="0" algn="l">
+              <a:spcBef>
+                <a:spcPts val="0"/>
+              </a:spcBef>
+              <a:spcAft>
+                <a:spcPts val="1200"/>
+              </a:spcAft>
+              <a:buNone/>
+            </a:pPr>
+            <a:r>
+              <a:rPr lang="en"/>
+              <a:t>Crucially, the last line is the same between the two examples—that is, you use the function and the LCEL sequence in the same way, with</a:t>
+            </a:r>
+            <a:r>
+              <a:rPr lang="en">
+                <a:solidFill>
+                  <a:schemeClr val="dk1"/>
+                </a:solidFill>
+              </a:rPr>
+              <a:t> </a:t>
+            </a:r>
+            <a:r>
+              <a:rPr lang="en">
+                <a:solidFill>
+                  <a:srgbClr val="999999"/>
+                </a:solidFill>
+                <a:latin typeface="Roboto Mono"/>
+                <a:ea typeface="Roboto Mono"/>
+                <a:cs typeface="Roboto Mono"/>
+                <a:sym typeface="Roboto Mono"/>
+              </a:rPr>
+              <a:t>invoke/stream/batch</a:t>
+            </a:r>
+            <a:r>
+              <a:rPr lang="en">
+                <a:solidFill>
+                  <a:srgbClr val="999999"/>
+                </a:solidFill>
+              </a:rPr>
+              <a:t>.</a:t>
+            </a:r>
+            <a:endParaRPr sz="2500">
+              <a:solidFill>
+                <a:srgbClr val="999999"/>
+              </a:solidFill>
+            </a:endParaRPr>
+          </a:p>
+        </p:txBody>
+      </p:sp>
+    </p:spTree>
+  </p:cSld>
+  <p:clrMapOvr>
+    <a:masterClrMapping/>
+  </p:clrMapOvr>
+</p:sld>
+</file>
+
+<file path=ppt/slides/slide16.xml><?xml version="1.0" encoding="utf-8"?>
+<p:sld xmlns:a="http://schemas.openxmlformats.org/drawingml/2006/main" xmlns:r="http://schemas.openxmlformats.org/officeDocument/2006/relationships" xmlns:mc="http://schemas.openxmlformats.org/markup-compatibility/2006" xmlns:mv="urn:schemas-microsoft-com:mac:vml" xmlns:p="http://schemas.openxmlformats.org/presentationml/2006/main" xmlns:c="http://schemas.openxmlformats.org/drawingml/2006/chart" xmlns:dgm="http://schemas.openxmlformats.org/drawingml/2006/diagram" xmlns:o="urn:schemas-microsoft-com:office:office" xmlns:v="urn:schemas-microsoft-com:vml" xmlns:pvml="urn:schemas-microsoft-com:office:powerpoint" xmlns:com="http://schemas.openxmlformats.org/drawingml/2006/compatibility" xmlns:p14="http://schemas.microsoft.com/office/powerpoint/2010/main" xmlns:p15="http://schemas.microsoft.com/office/powerpoint/2012/main" xmlns:ahyp="http://schemas.microsoft.com/office/drawing/2018/hyperlinkcolor">
+  <p:cSld>
+    <p:spTree>
+      <p:nvGrpSpPr>
+        <p:cNvPr id="151" name="Shape 151"/>
+        <p:cNvGrpSpPr/>
+        <p:nvPr/>
+      </p:nvGrpSpPr>
+      <p:grpSpPr>
+        <a:xfrm>
+          <a:off x="0" y="0"/>
+          <a:ext cx="0" cy="0"/>
+          <a:chOff x="0" y="0"/>
+          <a:chExt cx="0" cy="0"/>
+        </a:xfrm>
+      </p:grpSpPr>
+      <p:sp>
+        <p:nvSpPr>
+          <p:cNvPr id="152" name="Google Shape;152;p28"/>
+          <p:cNvSpPr txBox="1"/>
+          <p:nvPr>
+            <p:ph type="title"/>
+          </p:nvPr>
+        </p:nvSpPr>
+        <p:spPr>
+          <a:xfrm>
+            <a:off x="311700" y="445025"/>
+            <a:ext cx="8520600" cy="572700"/>
+          </a:xfrm>
+          <a:prstGeom prst="rect">
+            <a:avLst/>
+          </a:prstGeom>
+        </p:spPr>
+        <p:txBody>
+          <a:bodyPr anchorCtr="0" anchor="t" bIns="91425" lIns="91425" spcFirstLastPara="1" rIns="91425" wrap="square" tIns="91425">
+            <a:normAutofit fontScale="90000"/>
+          </a:bodyPr>
+          <a:lstStyle/>
+          <a:p>
+            <a:pPr indent="0" lvl="0" marL="0" rtl="0" algn="l">
+              <a:spcBef>
+                <a:spcPts val="0"/>
+              </a:spcBef>
+              <a:spcAft>
+                <a:spcPts val="0"/>
+              </a:spcAft>
+              <a:buNone/>
+            </a:pPr>
+            <a:r>
+              <a:t/>
+            </a:r>
+            <a:endParaRPr/>
+          </a:p>
+        </p:txBody>
+      </p:sp>
+      <p:sp>
+        <p:nvSpPr>
+          <p:cNvPr id="153" name="Google Shape;153;p28"/>
+          <p:cNvSpPr txBox="1"/>
+          <p:nvPr>
+            <p:ph idx="1" type="body"/>
+          </p:nvPr>
+        </p:nvSpPr>
+        <p:spPr>
+          <a:xfrm>
+            <a:off x="311700" y="1152475"/>
+            <a:ext cx="8520600" cy="3416400"/>
+          </a:xfrm>
+          <a:prstGeom prst="rect">
+            <a:avLst/>
+          </a:prstGeom>
+        </p:spPr>
+        <p:txBody>
+          <a:bodyPr anchorCtr="0" anchor="t" bIns="91425" lIns="91425" spcFirstLastPara="1" rIns="91425" wrap="square" tIns="91425">
+            <a:normAutofit/>
+          </a:bodyPr>
+          <a:lstStyle/>
+          <a:p>
+            <a:pPr indent="0" lvl="0" marL="0" rtl="0" algn="l">
+              <a:spcBef>
+                <a:spcPts val="0"/>
+              </a:spcBef>
+              <a:spcAft>
+                <a:spcPts val="1200"/>
+              </a:spcAft>
+              <a:buNone/>
+            </a:pPr>
+            <a:r>
+              <a:rPr lang="en"/>
+              <a:t>The imperative approach is useful if you intend to write a lot of custom logic, whereas the declarative approach is useful for simply assembling existing components with limited customization.</a:t>
+            </a:r>
+            <a:endParaRPr/>
+          </a:p>
+        </p:txBody>
+      </p:sp>
     </p:spTree>
   </p:cSld>
   <p:clrMapOvr>
@@ -7005,7 +8392,7 @@
             </a:pPr>
             <a:r>
               <a:rPr lang="en"/>
-              <a:t>What are Output Parsers?</a:t>
+              <a:t>JSON Output</a:t>
             </a:r>
             <a:endParaRPr/>
           </a:p>
@@ -7034,70 +8421,23 @@
           </a:bodyPr>
           <a:lstStyle/>
           <a:p>
-            <a:pPr indent="-342900" lvl="0" marL="457200" rtl="0" algn="l">
-              <a:spcBef>
-                <a:spcPts val="0"/>
-              </a:spcBef>
-              <a:spcAft>
-                <a:spcPts val="0"/>
-              </a:spcAft>
-              <a:buSzPts val="1800"/>
-              <a:buChar char="●"/>
+            <a:pPr indent="0" lvl="0" marL="0" rtl="0" algn="l">
+              <a:spcBef>
+                <a:spcPts val="1200"/>
+              </a:spcBef>
+              <a:spcAft>
+                <a:spcPts val="0"/>
+              </a:spcAft>
+              <a:buClr>
+                <a:schemeClr val="dk1"/>
+              </a:buClr>
+              <a:buSzPts val="1100"/>
+              <a:buFont typeface="Arial"/>
+              <a:buNone/>
             </a:pPr>
             <a:r>
               <a:rPr lang="en"/>
-              <a:t>Tools that convert raw LLM text output into structured formats</a:t>
-            </a:r>
-            <a:endParaRPr/>
-          </a:p>
-          <a:p>
-            <a:pPr indent="-342900" lvl="0" marL="457200" rtl="0" algn="l">
-              <a:spcBef>
-                <a:spcPts val="0"/>
-              </a:spcBef>
-              <a:spcAft>
-                <a:spcPts val="0"/>
-              </a:spcAft>
-              <a:buSzPts val="1800"/>
-              <a:buChar char="●"/>
-            </a:pPr>
-            <a:r>
-              <a:rPr lang="en"/>
-              <a:t>Enable integration of LLM responses with application code</a:t>
-            </a:r>
-            <a:endParaRPr/>
-          </a:p>
-          <a:p>
-            <a:pPr indent="-342900" lvl="0" marL="457200" rtl="0" algn="l">
-              <a:spcBef>
-                <a:spcPts val="0"/>
-              </a:spcBef>
-              <a:spcAft>
-                <a:spcPts val="0"/>
-              </a:spcAft>
-              <a:buSzPts val="1800"/>
-              <a:buChar char="●"/>
-            </a:pPr>
-            <a:r>
-              <a:rPr lang="en"/>
-              <a:t>Enforce specific response formats through instructions</a:t>
-            </a:r>
-            <a:endParaRPr/>
-          </a:p>
-          <a:p>
-            <a:pPr indent="-342900" lvl="0" marL="457200" rtl="0" algn="l">
-              <a:spcBef>
-                <a:spcPts val="0"/>
-              </a:spcBef>
-              <a:spcAft>
-                <a:spcPts val="0"/>
-              </a:spcAft>
-              <a:buSzPts val="1800"/>
-              <a:buChar char="●"/>
-            </a:pPr>
-            <a:r>
-              <a:rPr lang="en"/>
-              <a:t>Transform unstructured text into usable data structures</a:t>
+              <a:t>The most common format to generate with LLMs is JSON. JSON outputs can (for example) be sent to your frontend code or be saved to a database.</a:t>
             </a:r>
             <a:endParaRPr/>
           </a:p>
@@ -7107,14 +8447,61 @@
                 <a:spcPts val="1200"/>
               </a:spcBef>
               <a:spcAft>
+                <a:spcPts val="0"/>
+              </a:spcAft>
+              <a:buNone/>
+            </a:pPr>
+            <a:r>
+              <a:rPr lang="en"/>
+              <a:t>When generating JSON, the first task is to define the schema you want the LLM to respect when producing the output. Then, you should include that schema in the prompt, along with the text you want to use as the source.</a:t>
+            </a:r>
+            <a:endParaRPr/>
+          </a:p>
+          <a:p>
+            <a:pPr indent="0" lvl="0" marL="0" rtl="0" algn="l">
+              <a:lnSpc>
+                <a:spcPct val="100000"/>
+              </a:lnSpc>
+              <a:spcBef>
                 <a:spcPts val="1200"/>
+              </a:spcBef>
+              <a:spcAft>
+                <a:spcPts val="0"/>
               </a:spcAft>
               <a:buNone/>
             </a:pPr>
             <a:r>
               <a:t/>
             </a:r>
-            <a:endParaRPr/>
+            <a:endParaRPr sz="2320">
+              <a:solidFill>
+                <a:schemeClr val="dk1"/>
+              </a:solidFill>
+            </a:endParaRPr>
+          </a:p>
+          <a:p>
+            <a:pPr indent="0" lvl="0" marL="0" rtl="0" algn="ctr">
+              <a:lnSpc>
+                <a:spcPct val="100000"/>
+              </a:lnSpc>
+              <a:spcBef>
+                <a:spcPts val="0"/>
+              </a:spcBef>
+              <a:spcAft>
+                <a:spcPts val="0"/>
+              </a:spcAft>
+              <a:buClr>
+                <a:schemeClr val="dk1"/>
+              </a:buClr>
+              <a:buSzPts val="990"/>
+              <a:buFont typeface="Arial"/>
+              <a:buNone/>
+            </a:pPr>
+            <a:r>
+              <a:rPr lang="en" sz="1820"/>
+              <a:t>Let’s See An Example -&gt;</a:t>
+            </a:r>
+            <a:endParaRPr sz="1300"/>
           </a:p>
         </p:txBody>
       </p:sp>
@@ -7143,46 +8530,33 @@
           <a:chExt cx="0" cy="0"/>
         </a:xfrm>
       </p:grpSpPr>
-      <p:sp>
-        <p:nvSpPr>
+      <p:pic>
+        <p:nvPicPr>
           <p:cNvPr id="66" name="Google Shape;66;p15"/>
-          <p:cNvSpPr txBox="1"/>
-          <p:nvPr>
-            <p:ph type="title"/>
-          </p:nvPr>
-        </p:nvSpPr>
-        <p:spPr>
-          <a:xfrm>
-            <a:off x="311700" y="445025"/>
-            <a:ext cx="8520600" cy="572700"/>
+          <p:cNvPicPr preferRelativeResize="0"/>
+          <p:nvPr/>
+        </p:nvPicPr>
+        <p:blipFill rotWithShape="1">
+          <a:blip r:embed="rId3">
+            <a:alphaModFix/>
+          </a:blip>
+          <a:srcRect b="0" l="0" r="0" t="11520"/>
+          <a:stretch/>
+        </p:blipFill>
+        <p:spPr>
+          <a:xfrm>
+            <a:off x="1120650" y="664221"/>
+            <a:ext cx="6902702" cy="2681639"/>
           </a:xfrm>
           <a:prstGeom prst="rect">
             <a:avLst/>
           </a:prstGeom>
-        </p:spPr>
-        <p:txBody>
-          <a:bodyPr anchorCtr="0" anchor="t" bIns="91425" lIns="91425" spcFirstLastPara="1" rIns="91425" wrap="square" tIns="91425">
-            <a:normAutofit fontScale="90000"/>
-          </a:bodyPr>
-          <a:lstStyle/>
-          <a:p>
-            <a:pPr indent="0" lvl="0" marL="0" rtl="0" algn="l">
-              <a:spcBef>
-                <a:spcPts val="0"/>
-              </a:spcBef>
-              <a:spcAft>
-                <a:spcPts val="0"/>
-              </a:spcAft>
-              <a:buNone/>
-            </a:pPr>
-            <a:r>
-              <a:rPr lang="en"/>
-              <a:t>Why Use Output Parsers?</a:t>
-            </a:r>
-            <a:endParaRPr/>
-          </a:p>
-        </p:txBody>
-      </p:sp>
+          <a:noFill/>
+          <a:ln>
+            <a:noFill/>
+          </a:ln>
+        </p:spPr>
+      </p:pic>
       <p:sp>
         <p:nvSpPr>
           <p:cNvPr id="67" name="Google Shape;67;p15"/>
@@ -7193,8 +8567,8 @@
         </p:nvSpPr>
         <p:spPr>
           <a:xfrm>
-            <a:off x="311700" y="1152475"/>
-            <a:ext cx="8520600" cy="3416400"/>
+            <a:off x="1120650" y="286713"/>
+            <a:ext cx="695100" cy="377400"/>
           </a:xfrm>
           <a:prstGeom prst="rect">
             <a:avLst/>
@@ -7202,111 +8576,94 @@
         </p:spPr>
         <p:txBody>
           <a:bodyPr anchorCtr="0" anchor="t" bIns="91425" lIns="91425" spcFirstLastPara="1" rIns="91425" wrap="square" tIns="91425">
-            <a:normAutofit/>
+            <a:normAutofit fontScale="70000"/>
           </a:bodyPr>
           <a:lstStyle/>
           <a:p>
-            <a:pPr indent="-342900" lvl="0" marL="457200" rtl="0" algn="l">
-              <a:spcBef>
-                <a:spcPts val="0"/>
-              </a:spcBef>
-              <a:spcAft>
-                <a:spcPts val="0"/>
-              </a:spcAft>
-              <a:buSzPts val="1800"/>
-              <a:buChar char="●"/>
+            <a:pPr indent="0" lvl="0" marL="0" rtl="0" algn="l">
+              <a:spcBef>
+                <a:spcPts val="1200"/>
+              </a:spcBef>
+              <a:spcAft>
+                <a:spcPts val="1200"/>
+              </a:spcAft>
+              <a:buNone/>
             </a:pPr>
             <a:r>
-              <a:rPr lang="en"/>
-              <a:t>Consistency in LLM responses</a:t>
-            </a:r>
-            <a:endParaRPr/>
-          </a:p>
-          <a:p>
-            <a:pPr indent="-342900" lvl="0" marL="457200" rtl="0" algn="l">
-              <a:spcBef>
-                <a:spcPts val="0"/>
-              </a:spcBef>
-              <a:spcAft>
-                <a:spcPts val="0"/>
-              </a:spcAft>
-              <a:buSzPts val="1800"/>
-              <a:buChar char="●"/>
-            </a:pPr>
-            <a:r>
-              <a:rPr lang="en"/>
-              <a:t>Type validation and error handling</a:t>
-            </a:r>
-            <a:endParaRPr/>
-          </a:p>
-          <a:p>
-            <a:pPr indent="-342900" lvl="0" marL="457200" rtl="0" algn="l">
-              <a:spcBef>
-                <a:spcPts val="0"/>
-              </a:spcBef>
-              <a:spcAft>
-                <a:spcPts val="0"/>
-              </a:spcAft>
-              <a:buSzPts val="1800"/>
-              <a:buChar char="●"/>
-            </a:pPr>
-            <a:r>
-              <a:rPr lang="en"/>
-              <a:t>Easier integration with downstream systems</a:t>
-            </a:r>
-            <a:endParaRPr/>
-          </a:p>
-          <a:p>
-            <a:pPr indent="-342900" lvl="0" marL="457200" rtl="0" algn="l">
-              <a:spcBef>
-                <a:spcPts val="0"/>
-              </a:spcBef>
-              <a:spcAft>
-                <a:spcPts val="0"/>
-              </a:spcAft>
-              <a:buSzPts val="1800"/>
-              <a:buChar char="●"/>
-            </a:pPr>
-            <a:r>
-              <a:rPr lang="en"/>
-              <a:t>Improved developer experience</a:t>
-            </a:r>
-            <a:endParaRPr/>
-          </a:p>
-          <a:p>
-            <a:pPr indent="-342900" lvl="0" marL="457200" rtl="0" algn="l">
-              <a:spcBef>
-                <a:spcPts val="0"/>
-              </a:spcBef>
-              <a:spcAft>
-                <a:spcPts val="0"/>
-              </a:spcAft>
-              <a:buSzPts val="1800"/>
-              <a:buChar char="●"/>
-            </a:pPr>
-            <a:r>
-              <a:rPr lang="en"/>
-              <a:t>Standardized data extraction</a:t>
-            </a:r>
-            <a:endParaRPr/>
-          </a:p>
-          <a:p>
-            <a:pPr indent="0" lvl="0" marL="0" rtl="0" algn="l">
-              <a:spcBef>
-                <a:spcPts val="1200"/>
-              </a:spcBef>
-              <a:spcAft>
-                <a:spcPts val="1200"/>
-              </a:spcAft>
-              <a:buNone/>
-            </a:pPr>
-            <a:r>
-              <a:t/>
-            </a:r>
-            <a:endParaRPr/>
+              <a:rPr i="1" lang="en"/>
+              <a:t>Python</a:t>
+            </a:r>
+            <a:endParaRPr i="1"/>
           </a:p>
         </p:txBody>
       </p:sp>
+      <p:sp>
+        <p:nvSpPr>
+          <p:cNvPr id="68" name="Google Shape;68;p15"/>
+          <p:cNvSpPr txBox="1"/>
+          <p:nvPr>
+            <p:ph idx="1" type="body"/>
+          </p:nvPr>
+        </p:nvSpPr>
+        <p:spPr>
+          <a:xfrm>
+            <a:off x="1120650" y="3385447"/>
+            <a:ext cx="972000" cy="377400"/>
+          </a:xfrm>
+          <a:prstGeom prst="rect">
+            <a:avLst/>
+          </a:prstGeom>
+        </p:spPr>
+        <p:txBody>
+          <a:bodyPr anchorCtr="0" anchor="t" bIns="91425" lIns="91425" spcFirstLastPara="1" rIns="91425" wrap="square" tIns="91425">
+            <a:normAutofit fontScale="25000"/>
+          </a:bodyPr>
+          <a:lstStyle/>
+          <a:p>
+            <a:pPr indent="0" lvl="0" marL="0" rtl="0" algn="l">
+              <a:spcBef>
+                <a:spcPts val="1200"/>
+              </a:spcBef>
+              <a:spcAft>
+                <a:spcPts val="1200"/>
+              </a:spcAft>
+              <a:buNone/>
+            </a:pPr>
+            <a:r>
+              <a:rPr i="1" lang="en" sz="4415"/>
+              <a:t>The output:</a:t>
+            </a:r>
+            <a:endParaRPr i="1"/>
+          </a:p>
+        </p:txBody>
+      </p:sp>
+      <p:pic>
+        <p:nvPicPr>
+          <p:cNvPr id="69" name="Google Shape;69;p15"/>
+          <p:cNvPicPr preferRelativeResize="0"/>
+          <p:nvPr/>
+        </p:nvPicPr>
+        <p:blipFill rotWithShape="1">
+          <a:blip r:embed="rId4">
+            <a:alphaModFix/>
+          </a:blip>
+          <a:srcRect b="0" l="0" r="0" t="23710"/>
+          <a:stretch/>
+        </p:blipFill>
+        <p:spPr>
+          <a:xfrm>
+            <a:off x="1120650" y="3762956"/>
+            <a:ext cx="6902702" cy="1093831"/>
+          </a:xfrm>
+          <a:prstGeom prst="rect">
+            <a:avLst/>
+          </a:prstGeom>
+          <a:noFill/>
+          <a:ln>
+            <a:noFill/>
+          </a:ln>
+        </p:spPr>
+      </p:pic>
     </p:spTree>
   </p:cSld>
   <p:clrMapOvr>
@@ -7320,7 +8677,7 @@
   <p:cSld>
     <p:spTree>
       <p:nvGrpSpPr>
-        <p:cNvPr id="71" name="Shape 71"/>
+        <p:cNvPr id="73" name="Shape 73"/>
         <p:cNvGrpSpPr/>
         <p:nvPr/>
       </p:nvGrpSpPr>
@@ -7334,7 +8691,7 @@
       </p:grpSpPr>
       <p:sp>
         <p:nvSpPr>
-          <p:cNvPr id="72" name="Google Shape;72;p16"/>
+          <p:cNvPr id="74" name="Google Shape;74;p16"/>
           <p:cNvSpPr txBox="1"/>
           <p:nvPr>
             <p:ph type="title"/>
@@ -7366,160 +8723,13 @@
             </a:pPr>
             <a:r>
               <a:rPr lang="en"/>
-              <a:t>PydanticOutputParser</a:t>
+              <a:t>First</a:t>
+            </a:r>
+            <a:r>
+              <a:rPr lang="en"/>
+              <a:t>, Define a Schema</a:t>
             </a:r>
             <a:endParaRPr/>
-          </a:p>
-        </p:txBody>
-      </p:sp>
-      <p:sp>
-        <p:nvSpPr>
-          <p:cNvPr id="73" name="Google Shape;73;p16"/>
-          <p:cNvSpPr txBox="1"/>
-          <p:nvPr>
-            <p:ph idx="1" type="body"/>
-          </p:nvPr>
-        </p:nvSpPr>
-        <p:spPr>
-          <a:xfrm>
-            <a:off x="311700" y="1152475"/>
-            <a:ext cx="3185400" cy="3416400"/>
-          </a:xfrm>
-          <a:prstGeom prst="rect">
-            <a:avLst/>
-          </a:prstGeom>
-        </p:spPr>
-        <p:txBody>
-          <a:bodyPr anchorCtr="0" anchor="t" bIns="91425" lIns="91425" spcFirstLastPara="1" rIns="91425" wrap="square" tIns="91425">
-            <a:normAutofit/>
-          </a:bodyPr>
-          <a:lstStyle/>
-          <a:p>
-            <a:pPr indent="0" lvl="0" marL="0" rtl="0" algn="l">
-              <a:spcBef>
-                <a:spcPts val="0"/>
-              </a:spcBef>
-              <a:spcAft>
-                <a:spcPts val="0"/>
-              </a:spcAft>
-              <a:buNone/>
-            </a:pPr>
-            <a:r>
-              <a:rPr lang="en"/>
-              <a:t>Overview:</a:t>
-            </a:r>
-            <a:endParaRPr/>
-          </a:p>
-          <a:p>
-            <a:pPr indent="-342900" lvl="0" marL="457200" rtl="0" algn="l">
-              <a:spcBef>
-                <a:spcPts val="1200"/>
-              </a:spcBef>
-              <a:spcAft>
-                <a:spcPts val="0"/>
-              </a:spcAft>
-              <a:buSzPts val="1800"/>
-              <a:buChar char="●"/>
-            </a:pPr>
-            <a:r>
-              <a:rPr lang="en"/>
-              <a:t>Uses Pydantic models to define structured output</a:t>
-            </a:r>
-            <a:endParaRPr/>
-          </a:p>
-          <a:p>
-            <a:pPr indent="-342900" lvl="0" marL="457200" rtl="0" algn="l">
-              <a:spcBef>
-                <a:spcPts val="0"/>
-              </a:spcBef>
-              <a:spcAft>
-                <a:spcPts val="0"/>
-              </a:spcAft>
-              <a:buSzPts val="1800"/>
-              <a:buChar char="●"/>
-            </a:pPr>
-            <a:r>
-              <a:rPr lang="en"/>
-              <a:t>Great for complex, nested data structures</a:t>
-            </a:r>
-            <a:endParaRPr/>
-          </a:p>
-          <a:p>
-            <a:pPr indent="-342900" lvl="0" marL="457200" rtl="0" algn="l">
-              <a:spcBef>
-                <a:spcPts val="0"/>
-              </a:spcBef>
-              <a:spcAft>
-                <a:spcPts val="0"/>
-              </a:spcAft>
-              <a:buSzPts val="1800"/>
-              <a:buChar char="●"/>
-            </a:pPr>
-            <a:r>
-              <a:rPr lang="en"/>
-              <a:t>Validates output against a schema</a:t>
-            </a:r>
-            <a:endParaRPr/>
-          </a:p>
-          <a:p>
-            <a:pPr indent="0" lvl="0" marL="0" rtl="0" algn="l">
-              <a:spcBef>
-                <a:spcPts val="1200"/>
-              </a:spcBef>
-              <a:spcAft>
-                <a:spcPts val="1200"/>
-              </a:spcAft>
-              <a:buNone/>
-            </a:pPr>
-            <a:r>
-              <a:t/>
-            </a:r>
-            <a:endParaRPr/>
-          </a:p>
-        </p:txBody>
-      </p:sp>
-      <p:sp>
-        <p:nvSpPr>
-          <p:cNvPr id="74" name="Google Shape;74;p16"/>
-          <p:cNvSpPr txBox="1"/>
-          <p:nvPr/>
-        </p:nvSpPr>
-        <p:spPr>
-          <a:xfrm>
-            <a:off x="6436175" y="2925525"/>
-            <a:ext cx="2735100" cy="461700"/>
-          </a:xfrm>
-          <a:prstGeom prst="rect">
-            <a:avLst/>
-          </a:prstGeom>
-          <a:noFill/>
-          <a:ln>
-            <a:noFill/>
-          </a:ln>
-        </p:spPr>
-        <p:txBody>
-          <a:bodyPr anchorCtr="0" anchor="t" bIns="91425" lIns="91425" spcFirstLastPara="1" rIns="91425" wrap="square" tIns="91425">
-            <a:spAutoFit/>
-          </a:bodyPr>
-          <a:lstStyle/>
-          <a:p>
-            <a:pPr indent="0" lvl="0" marL="0" rtl="0" algn="l">
-              <a:spcBef>
-                <a:spcPts val="0"/>
-              </a:spcBef>
-              <a:spcAft>
-                <a:spcPts val="0"/>
-              </a:spcAft>
-              <a:buNone/>
-            </a:pPr>
-            <a:r>
-              <a:t/>
-            </a:r>
-            <a:endParaRPr sz="1800">
-              <a:solidFill>
-                <a:schemeClr val="dk2"/>
-              </a:solidFill>
-            </a:endParaRPr>
           </a:p>
         </p:txBody>
       </p:sp>
@@ -7533,8 +8743,8 @@
         </p:nvSpPr>
         <p:spPr>
           <a:xfrm>
-            <a:off x="4913625" y="1152475"/>
-            <a:ext cx="3185400" cy="3416400"/>
+            <a:off x="311700" y="1152475"/>
+            <a:ext cx="8520600" cy="3416400"/>
           </a:xfrm>
           <a:prstGeom prst="rect">
             <a:avLst/>
@@ -7548,7 +8758,7 @@
           <a:p>
             <a:pPr indent="0" lvl="0" marL="0" rtl="0" algn="l">
               <a:spcBef>
-                <a:spcPts val="0"/>
+                <a:spcPts val="1200"/>
               </a:spcBef>
               <a:spcAft>
                 <a:spcPts val="0"/>
@@ -7556,61 +8766,182 @@
               <a:buNone/>
             </a:pPr>
             <a:r>
-              <a:rPr lang="en"/>
-              <a:t>Ideal For:</a:t>
-            </a:r>
-            <a:endParaRPr/>
+              <a:rPr lang="en" sz="1100">
+                <a:solidFill>
+                  <a:schemeClr val="dk1"/>
+                </a:solidFill>
+              </a:rPr>
+              <a:t>In Python, this is easiest to do with Pydantic (a library used for validating data against schemas). </a:t>
+            </a:r>
+            <a:endParaRPr sz="1100">
+              <a:solidFill>
+                <a:schemeClr val="dk1"/>
+              </a:solidFill>
+            </a:endParaRPr>
           </a:p>
           <a:p>
-            <a:pPr indent="-342900" lvl="0" marL="457200" rtl="0" algn="l">
+            <a:pPr indent="0" lvl="0" marL="0" rtl="0" algn="l">
               <a:spcBef>
                 <a:spcPts val="1200"/>
               </a:spcBef>
               <a:spcAft>
                 <a:spcPts val="0"/>
               </a:spcAft>
-              <a:buSzPts val="1800"/>
+              <a:buNone/>
+            </a:pPr>
+            <a:r>
+              <a:rPr lang="en" sz="1100">
+                <a:solidFill>
+                  <a:schemeClr val="dk1"/>
+                </a:solidFill>
+              </a:rPr>
+              <a:t>In JS, this is easiest to do with Zod (an equivalent library). </a:t>
+            </a:r>
+            <a:endParaRPr sz="1100">
+              <a:solidFill>
+                <a:schemeClr val="dk1"/>
+              </a:solidFill>
+            </a:endParaRPr>
+          </a:p>
+          <a:p>
+            <a:pPr indent="0" lvl="0" marL="0" rtl="0" algn="l">
+              <a:spcBef>
+                <a:spcPts val="1200"/>
+              </a:spcBef>
+              <a:spcAft>
+                <a:spcPts val="0"/>
+              </a:spcAft>
+              <a:buClr>
+                <a:schemeClr val="dk1"/>
+              </a:buClr>
+              <a:buSzPts val="1100"/>
+              <a:buFont typeface="Arial"/>
+              <a:buNone/>
+            </a:pPr>
+            <a:r>
+              <a:rPr lang="en" sz="1100">
+                <a:solidFill>
+                  <a:schemeClr val="dk1"/>
+                </a:solidFill>
+              </a:rPr>
+              <a:t>The method </a:t>
+            </a:r>
+            <a:r>
+              <a:rPr lang="en" sz="1100">
+                <a:solidFill>
+                  <a:srgbClr val="188038"/>
+                </a:solidFill>
+                <a:latin typeface="Roboto Mono"/>
+                <a:ea typeface="Roboto Mono"/>
+                <a:cs typeface="Roboto Mono"/>
+                <a:sym typeface="Roboto Mono"/>
+              </a:rPr>
+              <a:t>with_structured_output</a:t>
+            </a:r>
+            <a:r>
+              <a:rPr lang="en" sz="1100">
+                <a:solidFill>
+                  <a:schemeClr val="dk1"/>
+                </a:solidFill>
+              </a:rPr>
+              <a:t> will use that schema for two things:</a:t>
+            </a:r>
+            <a:endParaRPr sz="1100">
+              <a:solidFill>
+                <a:schemeClr val="dk1"/>
+              </a:solidFill>
+            </a:endParaRPr>
+          </a:p>
+          <a:p>
+            <a:pPr indent="-298450" lvl="0" marL="457200" rtl="0" algn="l">
+              <a:spcBef>
+                <a:spcPts val="1200"/>
+              </a:spcBef>
+              <a:spcAft>
+                <a:spcPts val="0"/>
+              </a:spcAft>
+              <a:buClr>
+                <a:schemeClr val="dk1"/>
+              </a:buClr>
+              <a:buSzPts val="1100"/>
               <a:buChar char="●"/>
             </a:pPr>
             <a:r>
-              <a:rPr lang="en"/>
-              <a:t>Extracting structured information from biographical data</a:t>
-            </a:r>
-            <a:endParaRPr/>
+              <a:rPr lang="en" sz="1100">
+                <a:solidFill>
+                  <a:schemeClr val="dk1"/>
+                </a:solidFill>
+              </a:rPr>
+              <a:t>The schema will be converted to a </a:t>
+            </a:r>
+            <a:r>
+              <a:rPr lang="en" sz="1100">
+                <a:solidFill>
+                  <a:srgbClr val="188038"/>
+                </a:solidFill>
+                <a:latin typeface="Roboto Mono"/>
+                <a:ea typeface="Roboto Mono"/>
+                <a:cs typeface="Roboto Mono"/>
+                <a:sym typeface="Roboto Mono"/>
+              </a:rPr>
+              <a:t>JSONSchema</a:t>
+            </a:r>
+            <a:r>
+              <a:rPr lang="en" sz="1100">
+                <a:solidFill>
+                  <a:schemeClr val="dk1"/>
+                </a:solidFill>
+              </a:rPr>
+              <a:t> object (a JSON format used to describe the shape [types, names, descriptions] of JSON data), which will be sent to the LLM. For each LLM, LangChain picks the best method to do this, usually function calling or prompting.</a:t>
+            </a:r>
+            <a:br>
+              <a:rPr lang="en" sz="1100">
+                <a:solidFill>
+                  <a:schemeClr val="dk1"/>
+                </a:solidFill>
+              </a:rPr>
+            </a:br>
+            <a:r>
+              <a:rPr lang="en" sz="1100">
+                <a:solidFill>
+                  <a:schemeClr val="dk1"/>
+                </a:solidFill>
+              </a:rPr>
+              <a:t> 	</a:t>
+            </a:r>
+            <a:endParaRPr sz="1100">
+              <a:solidFill>
+                <a:schemeClr val="dk1"/>
+              </a:solidFill>
+            </a:endParaRPr>
           </a:p>
           <a:p>
-            <a:pPr indent="-342900" lvl="0" marL="457200" rtl="0" algn="l">
-              <a:spcBef>
-                <a:spcPts val="0"/>
-              </a:spcBef>
-              <a:spcAft>
-                <a:spcPts val="0"/>
-              </a:spcAft>
-              <a:buSzPts val="1800"/>
+            <a:pPr indent="-298450" lvl="0" marL="457200" rtl="0" algn="l">
+              <a:spcBef>
+                <a:spcPts val="0"/>
+              </a:spcBef>
+              <a:spcAft>
+                <a:spcPts val="0"/>
+              </a:spcAft>
+              <a:buClr>
+                <a:schemeClr val="dk1"/>
+              </a:buClr>
+              <a:buSzPts val="1100"/>
               <a:buChar char="●"/>
             </a:pPr>
             <a:r>
-              <a:rPr lang="en"/>
-              <a:t>User profile generation</a:t>
-            </a:r>
-            <a:endParaRPr/>
-          </a:p>
-          <a:p>
-            <a:pPr indent="-342900" lvl="0" marL="457200" rtl="0" algn="l">
-              <a:spcBef>
-                <a:spcPts val="0"/>
-              </a:spcBef>
-              <a:spcAft>
-                <a:spcPts val="0"/>
-              </a:spcAft>
-              <a:buSzPts val="1800"/>
-              <a:buChar char="●"/>
-            </a:pPr>
-            <a:r>
-              <a:rPr lang="en"/>
-              <a:t>Complex entity extraction</a:t>
-            </a:r>
-            <a:endParaRPr/>
+              <a:rPr lang="en" sz="1100">
+                <a:solidFill>
+                  <a:schemeClr val="dk1"/>
+                </a:solidFill>
+              </a:rPr>
+              <a:t>The schema will also be used to validate the output returned by the LLM before returning it; this ensures the output produced respects the schema you passed in exactly.</a:t>
+            </a:r>
+            <a:endParaRPr sz="1100">
+              <a:solidFill>
+                <a:schemeClr val="dk1"/>
+              </a:solidFill>
+            </a:endParaRPr>
           </a:p>
           <a:p>
             <a:pPr indent="0" lvl="0" marL="0" rtl="0" algn="l">
@@ -7688,40 +9019,210 @@
             </a:pPr>
             <a:r>
               <a:rPr lang="en"/>
-              <a:t>Example Use Case</a:t>
+              <a:t>Other Machine-Readable Formats with Output Parsers</a:t>
             </a:r>
             <a:endParaRPr/>
           </a:p>
         </p:txBody>
       </p:sp>
-      <p:pic>
-        <p:nvPicPr>
+      <p:sp>
+        <p:nvSpPr>
           <p:cNvPr id="81" name="Google Shape;81;p17"/>
-          <p:cNvPicPr preferRelativeResize="0"/>
-          <p:nvPr/>
-        </p:nvPicPr>
-        <p:blipFill>
-          <a:blip r:embed="rId3">
-            <a:alphaModFix/>
-          </a:blip>
-          <a:stretch>
-            <a:fillRect/>
-          </a:stretch>
-        </p:blipFill>
-        <p:spPr>
-          <a:xfrm>
-            <a:off x="311699" y="1370189"/>
-            <a:ext cx="8520600" cy="2674160"/>
+          <p:cNvSpPr txBox="1"/>
+          <p:nvPr>
+            <p:ph idx="1" type="body"/>
+          </p:nvPr>
+        </p:nvSpPr>
+        <p:spPr>
+          <a:xfrm>
+            <a:off x="311700" y="1152475"/>
+            <a:ext cx="8520600" cy="3416400"/>
           </a:xfrm>
           <a:prstGeom prst="rect">
             <a:avLst/>
           </a:prstGeom>
-          <a:noFill/>
-          <a:ln>
-            <a:noFill/>
-          </a:ln>
-        </p:spPr>
-      </p:pic>
+        </p:spPr>
+        <p:txBody>
+          <a:bodyPr anchorCtr="0" anchor="t" bIns="91425" lIns="91425" spcFirstLastPara="1" rIns="91425" wrap="square" tIns="91425">
+            <a:normAutofit/>
+          </a:bodyPr>
+          <a:lstStyle/>
+          <a:p>
+            <a:pPr indent="0" lvl="0" marL="0" rtl="0" algn="l">
+              <a:spcBef>
+                <a:spcPts val="0"/>
+              </a:spcBef>
+              <a:spcAft>
+                <a:spcPts val="0"/>
+              </a:spcAft>
+              <a:buNone/>
+            </a:pPr>
+            <a:r>
+              <a:rPr lang="en" sz="1100">
+                <a:solidFill>
+                  <a:schemeClr val="dk1"/>
+                </a:solidFill>
+              </a:rPr>
+              <a:t>You can also use an LLM or chat model to produce output in other formats, such as CSV or XML. This is where output parsers come in handy. </a:t>
+            </a:r>
+            <a:r>
+              <a:rPr i="1" lang="en" sz="1100">
+                <a:solidFill>
+                  <a:schemeClr val="dk1"/>
+                </a:solidFill>
+              </a:rPr>
+              <a:t>Output parsers</a:t>
+            </a:r>
+            <a:r>
+              <a:rPr lang="en" sz="1100">
+                <a:solidFill>
+                  <a:schemeClr val="dk1"/>
+                </a:solidFill>
+              </a:rPr>
+              <a:t> are classes that help you structure large language model responses. They serve two functions:</a:t>
+            </a:r>
+            <a:endParaRPr sz="1100">
+              <a:solidFill>
+                <a:schemeClr val="dk1"/>
+              </a:solidFill>
+            </a:endParaRPr>
+          </a:p>
+          <a:p>
+            <a:pPr indent="0" lvl="0" marL="457200" rtl="0" algn="l">
+              <a:spcBef>
+                <a:spcPts val="1200"/>
+              </a:spcBef>
+              <a:spcAft>
+                <a:spcPts val="0"/>
+              </a:spcAft>
+              <a:buNone/>
+            </a:pPr>
+            <a:r>
+              <a:t/>
+            </a:r>
+            <a:endParaRPr i="1" sz="1100">
+              <a:solidFill>
+                <a:schemeClr val="dk1"/>
+              </a:solidFill>
+            </a:endParaRPr>
+          </a:p>
+          <a:p>
+            <a:pPr indent="0" lvl="0" marL="457200" rtl="0" algn="l">
+              <a:spcBef>
+                <a:spcPts val="1200"/>
+              </a:spcBef>
+              <a:spcAft>
+                <a:spcPts val="0"/>
+              </a:spcAft>
+              <a:buNone/>
+            </a:pPr>
+            <a:r>
+              <a:rPr i="1" lang="en" sz="1100">
+                <a:solidFill>
+                  <a:schemeClr val="dk1"/>
+                </a:solidFill>
+              </a:rPr>
+              <a:t>Providing format instructions</a:t>
+            </a:r>
+            <a:endParaRPr i="1" sz="1100">
+              <a:solidFill>
+                <a:schemeClr val="dk1"/>
+              </a:solidFill>
+            </a:endParaRPr>
+          </a:p>
+          <a:p>
+            <a:pPr indent="0" lvl="0" marL="914400" rtl="0" algn="l">
+              <a:spcBef>
+                <a:spcPts val="1200"/>
+              </a:spcBef>
+              <a:spcAft>
+                <a:spcPts val="0"/>
+              </a:spcAft>
+              <a:buNone/>
+            </a:pPr>
+            <a:r>
+              <a:rPr lang="en" sz="1100">
+                <a:solidFill>
+                  <a:schemeClr val="dk1"/>
+                </a:solidFill>
+              </a:rPr>
+              <a:t>Output parsers can be used to inject some additional instructions in the prompt that will help guide the LLM to output text in the format it knows how to parse.</a:t>
+            </a:r>
+            <a:endParaRPr sz="1100">
+              <a:solidFill>
+                <a:schemeClr val="dk1"/>
+              </a:solidFill>
+            </a:endParaRPr>
+          </a:p>
+          <a:p>
+            <a:pPr indent="0" lvl="0" marL="0" rtl="0" algn="l">
+              <a:spcBef>
+                <a:spcPts val="1200"/>
+              </a:spcBef>
+              <a:spcAft>
+                <a:spcPts val="0"/>
+              </a:spcAft>
+              <a:buNone/>
+            </a:pPr>
+            <a:r>
+              <a:t/>
+            </a:r>
+            <a:endParaRPr sz="1100">
+              <a:solidFill>
+                <a:schemeClr val="dk1"/>
+              </a:solidFill>
+            </a:endParaRPr>
+          </a:p>
+          <a:p>
+            <a:pPr indent="0" lvl="0" marL="457200" rtl="0" algn="l">
+              <a:spcBef>
+                <a:spcPts val="1200"/>
+              </a:spcBef>
+              <a:spcAft>
+                <a:spcPts val="0"/>
+              </a:spcAft>
+              <a:buNone/>
+            </a:pPr>
+            <a:r>
+              <a:rPr i="1" lang="en" sz="1100">
+                <a:solidFill>
+                  <a:schemeClr val="dk1"/>
+                </a:solidFill>
+              </a:rPr>
+              <a:t>Validating and parsing output</a:t>
+            </a:r>
+            <a:endParaRPr i="1" sz="1100">
+              <a:solidFill>
+                <a:schemeClr val="dk1"/>
+              </a:solidFill>
+            </a:endParaRPr>
+          </a:p>
+          <a:p>
+            <a:pPr indent="0" lvl="0" marL="914400" rtl="0" algn="l">
+              <a:spcBef>
+                <a:spcPts val="1200"/>
+              </a:spcBef>
+              <a:spcAft>
+                <a:spcPts val="1200"/>
+              </a:spcAft>
+              <a:buNone/>
+            </a:pPr>
+            <a:r>
+              <a:rPr lang="en" sz="1100">
+                <a:solidFill>
+                  <a:schemeClr val="dk1"/>
+                </a:solidFill>
+              </a:rPr>
+              <a:t>The main function is to take the textual output of the LLM or chat model and render it to a more structured format, such as a list, XML, or other format. This can include removing extraneous information, correcting incomplete output, and validating the parsed values.</a:t>
+            </a:r>
+            <a:endParaRPr sz="1100">
+              <a:solidFill>
+                <a:schemeClr val="dk1"/>
+              </a:solidFill>
+            </a:endParaRPr>
+          </a:p>
+        </p:txBody>
+      </p:sp>
     </p:spTree>
   </p:cSld>
   <p:clrMapOvr>
@@ -7781,7 +9282,7 @@
             </a:pPr>
             <a:r>
               <a:rPr lang="en"/>
-              <a:t>CommaSeparatedListOutputParser</a:t>
+              <a:t>Here’s an example of how an output parser works:</a:t>
             </a:r>
             <a:endParaRPr/>
           </a:p>
@@ -7791,12 +9292,59 @@
         <p:nvSpPr>
           <p:cNvPr id="87" name="Google Shape;87;p18"/>
           <p:cNvSpPr txBox="1"/>
+          <p:nvPr>
+            <p:ph idx="1" type="body"/>
+          </p:nvPr>
+        </p:nvSpPr>
+        <p:spPr>
+          <a:xfrm>
+            <a:off x="433400" y="1136413"/>
+            <a:ext cx="643500" cy="349500"/>
+          </a:xfrm>
+          <a:prstGeom prst="rect">
+            <a:avLst/>
+          </a:prstGeom>
+        </p:spPr>
+        <p:txBody>
+          <a:bodyPr anchorCtr="0" anchor="t" bIns="91425" lIns="91425" spcFirstLastPara="1" rIns="91425" wrap="square" tIns="91425">
+            <a:normAutofit fontScale="62500" lnSpcReduction="20000"/>
+          </a:bodyPr>
+          <a:lstStyle/>
+          <a:p>
+            <a:pPr indent="0" lvl="0" marL="0" rtl="0" algn="l">
+              <a:spcBef>
+                <a:spcPts val="1200"/>
+              </a:spcBef>
+              <a:spcAft>
+                <a:spcPts val="1200"/>
+              </a:spcAft>
+              <a:buNone/>
+            </a:pPr>
+            <a:r>
+              <a:rPr i="1" lang="en"/>
+              <a:t>Python</a:t>
+            </a:r>
+            <a:endParaRPr i="1"/>
+          </a:p>
+        </p:txBody>
+      </p:sp>
+      <p:pic>
+        <p:nvPicPr>
+          <p:cNvPr id="88" name="Google Shape;88;p18"/>
+          <p:cNvPicPr preferRelativeResize="0"/>
           <p:nvPr/>
-        </p:nvSpPr>
-        <p:spPr>
-          <a:xfrm>
-            <a:off x="6436175" y="2925525"/>
-            <a:ext cx="2735100" cy="461700"/>
+        </p:nvPicPr>
+        <p:blipFill rotWithShape="1">
+          <a:blip r:embed="rId3">
+            <a:alphaModFix/>
+          </a:blip>
+          <a:srcRect b="0" l="0" r="0" t="29047"/>
+          <a:stretch/>
+        </p:blipFill>
+        <p:spPr>
+          <a:xfrm>
+            <a:off x="504075" y="1604600"/>
+            <a:ext cx="7394324" cy="848300"/>
           </a:xfrm>
           <a:prstGeom prst="rect">
             <a:avLst/>
@@ -7806,6 +9354,93 @@
             <a:noFill/>
           </a:ln>
         </p:spPr>
+      </p:pic>
+      <p:sp>
+        <p:nvSpPr>
+          <p:cNvPr id="89" name="Google Shape;89;p18"/>
+          <p:cNvSpPr txBox="1"/>
+          <p:nvPr>
+            <p:ph idx="1" type="body"/>
+          </p:nvPr>
+        </p:nvSpPr>
+        <p:spPr>
+          <a:xfrm>
+            <a:off x="504075" y="2640950"/>
+            <a:ext cx="900000" cy="349500"/>
+          </a:xfrm>
+          <a:prstGeom prst="rect">
+            <a:avLst/>
+          </a:prstGeom>
+        </p:spPr>
+        <p:txBody>
+          <a:bodyPr anchorCtr="0" anchor="t" bIns="91425" lIns="91425" spcFirstLastPara="1" rIns="91425" wrap="square" tIns="91425">
+            <a:normAutofit fontScale="25000" lnSpcReduction="20000"/>
+          </a:bodyPr>
+          <a:lstStyle/>
+          <a:p>
+            <a:pPr indent="0" lvl="0" marL="0" rtl="0" algn="l">
+              <a:spcBef>
+                <a:spcPts val="1200"/>
+              </a:spcBef>
+              <a:spcAft>
+                <a:spcPts val="1200"/>
+              </a:spcAft>
+              <a:buNone/>
+            </a:pPr>
+            <a:r>
+              <a:rPr i="1" lang="en" sz="4415"/>
+              <a:t>The output:</a:t>
+            </a:r>
+            <a:endParaRPr i="1"/>
+          </a:p>
+        </p:txBody>
+      </p:sp>
+      <p:pic>
+        <p:nvPicPr>
+          <p:cNvPr id="90" name="Google Shape;90;p18"/>
+          <p:cNvPicPr preferRelativeResize="0"/>
+          <p:nvPr/>
+        </p:nvPicPr>
+        <p:blipFill rotWithShape="1">
+          <a:blip r:embed="rId4">
+            <a:alphaModFix/>
+          </a:blip>
+          <a:srcRect b="0" l="0" r="0" t="37795"/>
+          <a:stretch/>
+        </p:blipFill>
+        <p:spPr>
+          <a:xfrm>
+            <a:off x="504075" y="3069975"/>
+            <a:ext cx="7394324" cy="532050"/>
+          </a:xfrm>
+          <a:prstGeom prst="rect">
+            <a:avLst/>
+          </a:prstGeom>
+          <a:noFill/>
+          <a:ln>
+            <a:noFill/>
+          </a:ln>
+        </p:spPr>
+      </p:pic>
+      <p:sp>
+        <p:nvSpPr>
+          <p:cNvPr id="91" name="Google Shape;91;p18"/>
+          <p:cNvSpPr txBox="1"/>
+          <p:nvPr/>
+        </p:nvSpPr>
+        <p:spPr>
+          <a:xfrm>
+            <a:off x="504038" y="3846625"/>
+            <a:ext cx="7394400" cy="831300"/>
+          </a:xfrm>
+          <a:prstGeom prst="rect">
+            <a:avLst/>
+          </a:prstGeom>
+          <a:noFill/>
+          <a:ln>
+            <a:noFill/>
+          </a:ln>
+        </p:spPr>
         <p:txBody>
           <a:bodyPr anchorCtr="0" anchor="t" bIns="91425" lIns="91425" spcFirstLastPara="1" rIns="91425" wrap="square" tIns="91425">
             <a:spAutoFit/>
@@ -7822,82 +9457,8 @@
               <a:buNone/>
             </a:pPr>
             <a:r>
-              <a:t/>
-            </a:r>
-            <a:endParaRPr sz="1800">
-              <a:solidFill>
-                <a:schemeClr val="dk2"/>
-              </a:solidFill>
-            </a:endParaRPr>
-          </a:p>
-        </p:txBody>
-      </p:sp>
-      <p:sp>
-        <p:nvSpPr>
-          <p:cNvPr id="88" name="Google Shape;88;p18"/>
-          <p:cNvSpPr txBox="1"/>
-          <p:nvPr>
-            <p:ph idx="1" type="body"/>
-          </p:nvPr>
-        </p:nvSpPr>
-        <p:spPr>
-          <a:xfrm>
-            <a:off x="1516675" y="1480025"/>
-            <a:ext cx="5503800" cy="1395000"/>
-          </a:xfrm>
-          <a:prstGeom prst="rect">
-            <a:avLst/>
-          </a:prstGeom>
-        </p:spPr>
-        <p:txBody>
-          <a:bodyPr anchorCtr="0" anchor="t" bIns="91425" lIns="91425" spcFirstLastPara="1" rIns="91425" wrap="square" tIns="91425">
-            <a:normAutofit/>
-          </a:bodyPr>
-          <a:lstStyle/>
-          <a:p>
-            <a:pPr indent="0" lvl="0" marL="0" rtl="0" algn="l">
-              <a:spcBef>
-                <a:spcPts val="0"/>
-              </a:spcBef>
-              <a:spcAft>
-                <a:spcPts val="0"/>
-              </a:spcAft>
-              <a:buNone/>
-            </a:pPr>
-            <a:r>
               <a:rPr lang="en"/>
-              <a:t>Query: What are a common list of fruits?</a:t>
-            </a:r>
-            <a:endParaRPr/>
-          </a:p>
-          <a:p>
-            <a:pPr indent="0" lvl="0" marL="0" rtl="0" algn="l">
-              <a:spcBef>
-                <a:spcPts val="1200"/>
-              </a:spcBef>
-              <a:spcAft>
-                <a:spcPts val="0"/>
-              </a:spcAft>
-              <a:buNone/>
-            </a:pPr>
-            <a:r>
-              <a:rPr lang="en"/>
-              <a:t>Output: [‘mangoes’, ‘apples’, ‘bananas]</a:t>
-            </a:r>
-            <a:endParaRPr/>
-          </a:p>
-          <a:p>
-            <a:pPr indent="0" lvl="0" marL="0" rtl="0" algn="l">
-              <a:spcBef>
-                <a:spcPts val="1200"/>
-              </a:spcBef>
-              <a:spcAft>
-                <a:spcPts val="1200"/>
-              </a:spcAft>
-              <a:buNone/>
-            </a:pPr>
-            <a:r>
-              <a:t/>
+              <a:t>LangChain provides a variety of output parsers for various use cases, including CSV, XML, and more. We’ll see how to combine output parsers with models and prompts in the next section.</a:t>
             </a:r>
             <a:endParaRPr/>
           </a:p>
@@ -7916,7 +9477,7 @@
   <p:cSld>
     <p:spTree>
       <p:nvGrpSpPr>
-        <p:cNvPr id="92" name="Shape 92"/>
+        <p:cNvPr id="95" name="Shape 95"/>
         <p:cNvGrpSpPr/>
         <p:nvPr/>
       </p:nvGrpSpPr>
@@ -7930,7 +9491,7 @@
       </p:grpSpPr>
       <p:sp>
         <p:nvSpPr>
-          <p:cNvPr id="93" name="Google Shape;93;p19"/>
+          <p:cNvPr id="96" name="Google Shape;96;p19"/>
           <p:cNvSpPr txBox="1"/>
           <p:nvPr>
             <p:ph type="title"/>
@@ -7962,40 +9523,99 @@
             </a:pPr>
             <a:r>
               <a:rPr lang="en"/>
-              <a:t>Example Use Case</a:t>
+              <a:t>Assembling the Many Pieces of an LLM Application</a:t>
             </a:r>
             <a:endParaRPr/>
           </a:p>
         </p:txBody>
       </p:sp>
-      <p:pic>
-        <p:nvPicPr>
-          <p:cNvPr id="94" name="Google Shape;94;p19"/>
-          <p:cNvPicPr preferRelativeResize="0"/>
-          <p:nvPr/>
-        </p:nvPicPr>
-        <p:blipFill>
-          <a:blip r:embed="rId3">
-            <a:alphaModFix/>
-          </a:blip>
-          <a:stretch>
-            <a:fillRect/>
-          </a:stretch>
-        </p:blipFill>
-        <p:spPr>
-          <a:xfrm>
-            <a:off x="311700" y="1304412"/>
-            <a:ext cx="8520601" cy="2940313"/>
+      <p:sp>
+        <p:nvSpPr>
+          <p:cNvPr id="97" name="Google Shape;97;p19"/>
+          <p:cNvSpPr txBox="1"/>
+          <p:nvPr>
+            <p:ph idx="1" type="body"/>
+          </p:nvPr>
+        </p:nvSpPr>
+        <p:spPr>
+          <a:xfrm>
+            <a:off x="311700" y="1152475"/>
+            <a:ext cx="8520600" cy="3416400"/>
           </a:xfrm>
           <a:prstGeom prst="rect">
             <a:avLst/>
           </a:prstGeom>
-          <a:noFill/>
-          <a:ln>
-            <a:noFill/>
-          </a:ln>
-        </p:spPr>
-      </p:pic>
+        </p:spPr>
+        <p:txBody>
+          <a:bodyPr anchorCtr="0" anchor="t" bIns="91425" lIns="91425" spcFirstLastPara="1" rIns="91425" wrap="square" tIns="91425">
+            <a:normAutofit/>
+          </a:bodyPr>
+          <a:lstStyle/>
+          <a:p>
+            <a:pPr indent="0" lvl="0" marL="0" rtl="0" algn="l">
+              <a:spcBef>
+                <a:spcPts val="0"/>
+              </a:spcBef>
+              <a:spcAft>
+                <a:spcPts val="0"/>
+              </a:spcAft>
+              <a:buNone/>
+            </a:pPr>
+            <a:r>
+              <a:rPr lang="en"/>
+              <a:t>The key components you’ve learned about so far are essential building blocks of the LangChain framework. </a:t>
+            </a:r>
+            <a:endParaRPr/>
+          </a:p>
+          <a:p>
+            <a:pPr indent="0" lvl="0" marL="0" rtl="0" algn="l">
+              <a:spcBef>
+                <a:spcPts val="1200"/>
+              </a:spcBef>
+              <a:spcAft>
+                <a:spcPts val="0"/>
+              </a:spcAft>
+              <a:buNone/>
+            </a:pPr>
+            <a:r>
+              <a:t/>
+            </a:r>
+            <a:endParaRPr/>
+          </a:p>
+          <a:p>
+            <a:pPr indent="0" lvl="0" marL="0" rtl="0" algn="l">
+              <a:spcBef>
+                <a:spcPts val="1200"/>
+              </a:spcBef>
+              <a:spcAft>
+                <a:spcPts val="0"/>
+              </a:spcAft>
+              <a:buNone/>
+            </a:pPr>
+            <a:r>
+              <a:rPr lang="en"/>
+              <a:t>Which brings us to the critical question: </a:t>
+            </a:r>
+            <a:endParaRPr/>
+          </a:p>
+          <a:p>
+            <a:pPr indent="0" lvl="0" marL="0" rtl="0" algn="l">
+              <a:spcBef>
+                <a:spcPts val="1200"/>
+              </a:spcBef>
+              <a:spcAft>
+                <a:spcPts val="1200"/>
+              </a:spcAft>
+              <a:buNone/>
+            </a:pPr>
+            <a:r>
+              <a:rPr lang="en"/>
+              <a:t>How do you combine them effectively to build your LLM application?</a:t>
+            </a:r>
+            <a:endParaRPr/>
+          </a:p>
+        </p:txBody>
+      </p:sp>
     </p:spTree>
   </p:cSld>
   <p:clrMapOvr>
@@ -8009,7 +9629,7 @@
   <p:cSld>
     <p:spTree>
       <p:nvGrpSpPr>
-        <p:cNvPr id="98" name="Shape 98"/>
+        <p:cNvPr id="101" name="Shape 101"/>
         <p:cNvGrpSpPr/>
         <p:nvPr/>
       </p:nvGrpSpPr>
@@ -8023,7 +9643,7 @@
       </p:grpSpPr>
       <p:sp>
         <p:nvSpPr>
-          <p:cNvPr id="99" name="Google Shape;99;p20"/>
+          <p:cNvPr id="102" name="Google Shape;102;p20"/>
           <p:cNvSpPr txBox="1"/>
           <p:nvPr>
             <p:ph type="title"/>
@@ -8055,7 +9675,7 @@
             </a:pPr>
             <a:r>
               <a:rPr lang="en"/>
-              <a:t>StructuredOutputParser</a:t>
+              <a:t>Using the Runnable Interface</a:t>
             </a:r>
             <a:endParaRPr/>
           </a:p>
@@ -8063,7 +9683,7 @@
       </p:sp>
       <p:sp>
         <p:nvSpPr>
-          <p:cNvPr id="100" name="Google Shape;100;p20"/>
+          <p:cNvPr id="103" name="Google Shape;103;p20"/>
           <p:cNvSpPr txBox="1"/>
           <p:nvPr>
             <p:ph idx="1" type="body"/>
@@ -8072,7 +9692,7 @@
         <p:spPr>
           <a:xfrm>
             <a:off x="311700" y="1152475"/>
-            <a:ext cx="3185400" cy="3416400"/>
+            <a:ext cx="8520600" cy="3416400"/>
           </a:xfrm>
           <a:prstGeom prst="rect">
             <a:avLst/>
@@ -8080,7 +9700,7 @@
         </p:spPr>
         <p:txBody>
           <a:bodyPr anchorCtr="0" anchor="t" bIns="91425" lIns="91425" spcFirstLastPara="1" rIns="91425" wrap="square" tIns="91425">
-            <a:normAutofit/>
+            <a:normAutofit fontScale="55000" lnSpcReduction="10000"/>
           </a:bodyPr>
           <a:lstStyle/>
           <a:p>
@@ -8094,61 +9714,26 @@
               <a:buNone/>
             </a:pPr>
             <a:r>
-              <a:rPr lang="en"/>
-              <a:t>Overview:</a:t>
-            </a:r>
-            <a:endParaRPr/>
-          </a:p>
-          <a:p>
-            <a:pPr indent="-342900" lvl="0" marL="457200" rtl="0" algn="l">
-              <a:spcBef>
-                <a:spcPts val="1200"/>
-              </a:spcBef>
-              <a:spcAft>
-                <a:spcPts val="0"/>
-              </a:spcAft>
-              <a:buSzPts val="1800"/>
-              <a:buChar char="●"/>
-            </a:pPr>
-            <a:r>
-              <a:rPr lang="en"/>
-              <a:t>Defines custom response schemas</a:t>
-            </a:r>
-            <a:endParaRPr/>
-          </a:p>
-          <a:p>
-            <a:pPr indent="-342900" lvl="0" marL="457200" rtl="0" algn="l">
-              <a:spcBef>
-                <a:spcPts val="0"/>
-              </a:spcBef>
-              <a:spcAft>
-                <a:spcPts val="0"/>
-              </a:spcAft>
-              <a:buSzPts val="1800"/>
-              <a:buChar char="●"/>
-            </a:pPr>
-            <a:r>
-              <a:rPr lang="en"/>
-              <a:t>More flexible than Pydantic for simple cases</a:t>
-            </a:r>
-            <a:endParaRPr/>
-          </a:p>
-          <a:p>
-            <a:pPr indent="-342900" lvl="0" marL="457200" rtl="0" algn="l">
-              <a:spcBef>
-                <a:spcPts val="0"/>
-              </a:spcBef>
-              <a:spcAft>
-                <a:spcPts val="0"/>
-              </a:spcAft>
-              <a:buSzPts val="1800"/>
-              <a:buChar char="●"/>
-            </a:pPr>
-            <a:r>
-              <a:rPr lang="en"/>
-              <a:t>Allows for explicit field descriptions</a:t>
-            </a:r>
-            <a:endParaRPr/>
+              <a:rPr lang="en" sz="2997"/>
+              <a:t>As you may have noticed, all the code examples used so far utilize a similar interface and the </a:t>
+            </a:r>
+            <a:r>
+              <a:rPr lang="en" sz="2997">
+                <a:solidFill>
+                  <a:srgbClr val="B7B7B7"/>
+                </a:solidFill>
+                <a:latin typeface="Roboto Mono"/>
+                <a:ea typeface="Roboto Mono"/>
+                <a:cs typeface="Roboto Mono"/>
+                <a:sym typeface="Roboto Mono"/>
+              </a:rPr>
+              <a:t>invoke()</a:t>
+            </a:r>
+            <a:r>
+              <a:rPr lang="en" sz="2997"/>
+              <a:t> method to generate outputs from the model (or prompt template, or output parser). All components have the following:</a:t>
+            </a:r>
+            <a:endParaRPr sz="2997"/>
           </a:p>
           <a:p>
             <a:pPr indent="0" lvl="0" marL="0" rtl="0" algn="l">
@@ -8156,150 +9741,116 @@
                 <a:spcPts val="1200"/>
               </a:spcBef>
               <a:spcAft>
-                <a:spcPts val="1200"/>
-              </a:spcAft>
+                <a:spcPts val="0"/>
+              </a:spcAft>
+              <a:buClr>
+                <a:schemeClr val="dk1"/>
+              </a:buClr>
+              <a:buSzPct val="36695"/>
+              <a:buFont typeface="Arial"/>
               <a:buNone/>
             </a:pPr>
             <a:r>
-              <a:t/>
-            </a:r>
-            <a:endParaRPr/>
-          </a:p>
-        </p:txBody>
-      </p:sp>
-      <p:sp>
-        <p:nvSpPr>
-          <p:cNvPr id="101" name="Google Shape;101;p20"/>
-          <p:cNvSpPr txBox="1"/>
-          <p:nvPr/>
-        </p:nvSpPr>
-        <p:spPr>
-          <a:xfrm>
-            <a:off x="6436175" y="2925525"/>
-            <a:ext cx="2735100" cy="461700"/>
-          </a:xfrm>
-          <a:prstGeom prst="rect">
-            <a:avLst/>
-          </a:prstGeom>
-          <a:noFill/>
-          <a:ln>
-            <a:noFill/>
-          </a:ln>
-        </p:spPr>
-        <p:txBody>
-          <a:bodyPr anchorCtr="0" anchor="t" bIns="91425" lIns="91425" spcFirstLastPara="1" rIns="91425" wrap="square" tIns="91425">
-            <a:spAutoFit/>
-          </a:bodyPr>
-          <a:lstStyle/>
-          <a:p>
-            <a:pPr indent="0" lvl="0" marL="0" rtl="0" algn="l">
-              <a:spcBef>
-                <a:spcPts val="0"/>
-              </a:spcBef>
-              <a:spcAft>
-                <a:spcPts val="0"/>
-              </a:spcAft>
-              <a:buNone/>
-            </a:pPr>
-            <a:r>
-              <a:t/>
-            </a:r>
-            <a:endParaRPr sz="1800">
-              <a:solidFill>
-                <a:schemeClr val="dk2"/>
-              </a:solidFill>
-            </a:endParaRPr>
-          </a:p>
-        </p:txBody>
-      </p:sp>
-      <p:sp>
-        <p:nvSpPr>
-          <p:cNvPr id="102" name="Google Shape;102;p20"/>
-          <p:cNvSpPr txBox="1"/>
-          <p:nvPr>
-            <p:ph idx="1" type="body"/>
-          </p:nvPr>
-        </p:nvSpPr>
-        <p:spPr>
-          <a:xfrm>
-            <a:off x="4913625" y="1152475"/>
-            <a:ext cx="3185400" cy="3416400"/>
-          </a:xfrm>
-          <a:prstGeom prst="rect">
-            <a:avLst/>
-          </a:prstGeom>
-        </p:spPr>
-        <p:txBody>
-          <a:bodyPr anchorCtr="0" anchor="t" bIns="91425" lIns="91425" spcFirstLastPara="1" rIns="91425" wrap="square" tIns="91425">
-            <a:normAutofit/>
-          </a:bodyPr>
-          <a:lstStyle/>
-          <a:p>
-            <a:pPr indent="0" lvl="0" marL="0" rtl="0" algn="l">
-              <a:spcBef>
-                <a:spcPts val="0"/>
-              </a:spcBef>
-              <a:spcAft>
-                <a:spcPts val="0"/>
-              </a:spcAft>
-              <a:buNone/>
-            </a:pPr>
-            <a:r>
-              <a:rPr lang="en"/>
-              <a:t>Ideal For:</a:t>
-            </a:r>
-            <a:endParaRPr/>
+              <a:rPr lang="en" sz="2997"/>
+              <a:t>There is a common interface with these methods:</a:t>
+            </a:r>
+            <a:endParaRPr sz="2997"/>
           </a:p>
           <a:p>
-            <a:pPr indent="-342900" lvl="0" marL="457200" rtl="0" algn="l">
+            <a:pPr indent="-333292" lvl="0" marL="457200" rtl="0" algn="l">
               <a:spcBef>
                 <a:spcPts val="1200"/>
               </a:spcBef>
               <a:spcAft>
                 <a:spcPts val="0"/>
               </a:spcAft>
-              <a:buSzPts val="1800"/>
+              <a:buClr>
+                <a:schemeClr val="dk2"/>
+              </a:buClr>
+              <a:buSzPct val="100000"/>
               <a:buChar char="●"/>
             </a:pPr>
             <a:r>
-              <a:rPr lang="en"/>
-              <a:t>Simple attribute extraction</a:t>
-            </a:r>
-            <a:endParaRPr/>
+              <a:rPr lang="en" sz="2997">
+                <a:solidFill>
+                  <a:srgbClr val="B7B7B7"/>
+                </a:solidFill>
+                <a:latin typeface="Roboto Mono"/>
+                <a:ea typeface="Roboto Mono"/>
+                <a:cs typeface="Roboto Mono"/>
+                <a:sym typeface="Roboto Mono"/>
+              </a:rPr>
+              <a:t>invoke</a:t>
+            </a:r>
+            <a:r>
+              <a:rPr lang="en" sz="2997"/>
+              <a:t>: transforms a single input into an output 		</a:t>
+            </a:r>
+            <a:endParaRPr sz="2997"/>
           </a:p>
           <a:p>
-            <a:pPr indent="-342900" lvl="0" marL="457200" rtl="0" algn="l">
-              <a:spcBef>
-                <a:spcPts val="0"/>
-              </a:spcBef>
-              <a:spcAft>
-                <a:spcPts val="0"/>
-              </a:spcAft>
-              <a:buSzPts val="1800"/>
+            <a:pPr indent="-333292" lvl="0" marL="457200" rtl="0" algn="l">
+              <a:spcBef>
+                <a:spcPts val="0"/>
+              </a:spcBef>
+              <a:spcAft>
+                <a:spcPts val="0"/>
+              </a:spcAft>
+              <a:buClr>
+                <a:schemeClr val="dk2"/>
+              </a:buClr>
+              <a:buSzPct val="100000"/>
               <a:buChar char="●"/>
             </a:pPr>
             <a:r>
-              <a:rPr lang="en"/>
-              <a:t>Sentiment analysis</a:t>
-            </a:r>
-            <a:endParaRPr/>
+              <a:rPr lang="en" sz="2997">
+                <a:solidFill>
+                  <a:srgbClr val="B7B7B7"/>
+                </a:solidFill>
+                <a:latin typeface="Roboto Mono"/>
+                <a:ea typeface="Roboto Mono"/>
+                <a:cs typeface="Roboto Mono"/>
+                <a:sym typeface="Roboto Mono"/>
+              </a:rPr>
+              <a:t>batch</a:t>
+            </a:r>
+            <a:r>
+              <a:rPr lang="en" sz="2997"/>
+              <a:t>: efficiently transforms multiple inputs into multiple outputs</a:t>
+            </a:r>
+            <a:endParaRPr sz="2997"/>
           </a:p>
           <a:p>
-            <a:pPr indent="-342900" lvl="0" marL="457200" rtl="0" algn="l">
-              <a:spcBef>
-                <a:spcPts val="0"/>
-              </a:spcBef>
-              <a:spcAft>
-                <a:spcPts val="0"/>
-              </a:spcAft>
-              <a:buSzPts val="1800"/>
+            <a:pPr indent="-333292" lvl="0" marL="457200" rtl="0" algn="l">
+              <a:spcBef>
+                <a:spcPts val="0"/>
+              </a:spcBef>
+              <a:spcAft>
+                <a:spcPts val="0"/>
+              </a:spcAft>
+              <a:buClr>
+                <a:schemeClr val="dk2"/>
+              </a:buClr>
+              <a:buSzPct val="100000"/>
               <a:buChar char="●"/>
             </a:pPr>
             <a:r>
-              <a:rPr lang="en"/>
-              <a:t>Feature extraction from descriptions</a:t>
-            </a:r>
-            <a:endParaRPr/>
+              <a:rPr lang="en" sz="2997">
+                <a:solidFill>
+                  <a:srgbClr val="B7B7B7"/>
+                </a:solidFill>
+                <a:latin typeface="Roboto Mono"/>
+                <a:ea typeface="Roboto Mono"/>
+                <a:cs typeface="Roboto Mono"/>
+                <a:sym typeface="Roboto Mono"/>
+              </a:rPr>
+              <a:t>stream</a:t>
+            </a:r>
+            <a:r>
+              <a:rPr lang="en" sz="2997"/>
+              <a:t>: streams output from a single input as it’s produced</a:t>
+            </a:r>
+            <a:endParaRPr sz="2997"/>
           </a:p>
           <a:p>
             <a:pPr indent="0" lvl="0" marL="0" rtl="0" algn="l">
@@ -8307,14 +9858,65 @@
                 <a:spcPts val="1200"/>
               </a:spcBef>
               <a:spcAft>
+                <a:spcPts val="0"/>
+              </a:spcAft>
+              <a:buNone/>
+            </a:pPr>
+            <a:r>
+              <a:rPr lang="en" sz="2997"/>
+              <a:t>There are built-in utilities for retries, fallbacks, schemas, and runtime configurability.</a:t>
+            </a:r>
+            <a:br>
+              <a:rPr lang="en" sz="2997"/>
+            </a:br>
+            <a:r>
+              <a:rPr lang="en" sz="2997"/>
+              <a:t> In Python, each of the three methods have </a:t>
+            </a:r>
+            <a:r>
+              <a:rPr lang="en" sz="2997">
+                <a:solidFill>
+                  <a:srgbClr val="B7B7B7"/>
+                </a:solidFill>
+                <a:latin typeface="Roboto Mono"/>
+                <a:ea typeface="Roboto Mono"/>
+                <a:cs typeface="Roboto Mono"/>
+                <a:sym typeface="Roboto Mono"/>
+              </a:rPr>
+              <a:t>asyncio</a:t>
+            </a:r>
+            <a:r>
+              <a:rPr lang="en" sz="2997">
+                <a:solidFill>
+                  <a:srgbClr val="B7B7B7"/>
+                </a:solidFill>
+              </a:rPr>
+              <a:t> </a:t>
+            </a:r>
+            <a:r>
+              <a:rPr lang="en" sz="2997"/>
+              <a:t>equivalents.</a:t>
+            </a:r>
+            <a:endParaRPr sz="2997"/>
+          </a:p>
+          <a:p>
+            <a:pPr indent="0" lvl="0" marL="0" rtl="0" algn="l">
+              <a:spcBef>
                 <a:spcPts val="1200"/>
+              </a:spcBef>
+              <a:spcAft>
+                <a:spcPts val="1200"/>
               </a:spcAft>
               <a:buNone/>
             </a:pPr>
             <a:r>
               <a:t/>
             </a:r>
-            <a:endParaRPr/>
+            <a:endParaRPr sz="1100">
+              <a:solidFill>
+                <a:schemeClr val="dk1"/>
+              </a:solidFill>
+            </a:endParaRPr>
           </a:p>
         </p:txBody>
       </p:sp>
@@ -8331,7 +9933,7 @@
   <p:cSld>
     <p:spTree>
       <p:nvGrpSpPr>
-        <p:cNvPr id="106" name="Shape 106"/>
+        <p:cNvPr id="107" name="Shape 107"/>
         <p:cNvGrpSpPr/>
         <p:nvPr/>
       </p:nvGrpSpPr>
@@ -8345,7 +9947,7 @@
       </p:grpSpPr>
       <p:sp>
         <p:nvSpPr>
-          <p:cNvPr id="107" name="Google Shape;107;p21"/>
+          <p:cNvPr id="108" name="Google Shape;108;p21"/>
           <p:cNvSpPr txBox="1"/>
           <p:nvPr>
             <p:ph type="title"/>
@@ -8377,7 +9979,7 @@
             </a:pPr>
             <a:r>
               <a:rPr lang="en"/>
-              <a:t>Example Use Case</a:t>
+              <a:t>As such, all components behave the same way, and the interface learned for one of them applies to all:</a:t>
             </a:r>
             <a:endParaRPr/>
           </a:p>
@@ -8385,22 +9987,21 @@
       </p:sp>
       <p:pic>
         <p:nvPicPr>
-          <p:cNvPr id="108" name="Google Shape;108;p21"/>
+          <p:cNvPr id="109" name="Google Shape;109;p21"/>
           <p:cNvPicPr preferRelativeResize="0"/>
           <p:nvPr/>
         </p:nvPicPr>
-        <p:blipFill>
+        <p:blipFill rotWithShape="1">
           <a:blip r:embed="rId3">
             <a:alphaModFix/>
           </a:blip>
-          <a:stretch>
-            <a:fillRect/>
-          </a:stretch>
+          <a:srcRect b="0" l="0" r="0" t="11111"/>
+          <a:stretch/>
         </p:blipFill>
         <p:spPr>
           <a:xfrm>
-            <a:off x="311700" y="1276886"/>
-            <a:ext cx="8520601" cy="3968689"/>
+            <a:off x="852850" y="1545975"/>
+            <a:ext cx="7438298" cy="2902926"/>
           </a:xfrm>
           <a:prstGeom prst="rect">
             <a:avLst/>
